--- a/Kotlin.pptx
+++ b/Kotlin.pptx
@@ -5,10 +5,10 @@
     <p:sldMasterId id="2147483752" r:id="rId1"/>
   </p:sldMasterIdLst>
   <p:notesMasterIdLst>
-    <p:notesMasterId r:id="rId36"/>
+    <p:notesMasterId r:id="rId35"/>
   </p:notesMasterIdLst>
   <p:handoutMasterIdLst>
-    <p:handoutMasterId r:id="rId37"/>
+    <p:handoutMasterId r:id="rId36"/>
   </p:handoutMasterIdLst>
   <p:sldIdLst>
     <p:sldId id="3741" r:id="rId2"/>
@@ -38,13 +38,12 @@
     <p:sldId id="3877" r:id="rId26"/>
     <p:sldId id="3901" r:id="rId27"/>
     <p:sldId id="3878" r:id="rId28"/>
-    <p:sldId id="3890" r:id="rId29"/>
-    <p:sldId id="3885" r:id="rId30"/>
-    <p:sldId id="3866" r:id="rId31"/>
-    <p:sldId id="3870" r:id="rId32"/>
-    <p:sldId id="3880" r:id="rId33"/>
-    <p:sldId id="3881" r:id="rId34"/>
-    <p:sldId id="3869" r:id="rId35"/>
+    <p:sldId id="3885" r:id="rId29"/>
+    <p:sldId id="3890" r:id="rId30"/>
+    <p:sldId id="3870" r:id="rId31"/>
+    <p:sldId id="3880" r:id="rId32"/>
+    <p:sldId id="3881" r:id="rId33"/>
+    <p:sldId id="3869" r:id="rId34"/>
   </p:sldIdLst>
   <p:sldSz cx="12192000" cy="6858000"/>
   <p:notesSz cx="6858000" cy="9144000"/>
@@ -275,7 +274,7 @@
               <a:rPr lang="en-US" smtClean="0">
                 <a:latin typeface="Open Sans" panose="020B0606030504020204" pitchFamily="34" charset="0"/>
               </a:rPr>
-              <a:t>12/14/2020</a:t>
+              <a:t>12/15/2020</a:t>
             </a:fld>
             <a:endParaRPr lang="en-US">
               <a:latin typeface="Open Sans" panose="020B0606030504020204" pitchFamily="34" charset="0"/>
@@ -453,7 +452,7 @@
             <a:fld id="{D514CF61-3A57-4391-891A-62EA04699517}" type="datetimeFigureOut">
               <a:rPr lang="en-US" smtClean="0"/>
               <a:pPr/>
-              <a:t>12/14/2020</a:t>
+              <a:t>12/15/2020</a:t>
             </a:fld>
             <a:endParaRPr lang="en-US"/>
           </a:p>
@@ -44919,12 +44918,7 @@
             <p:ph type="title"/>
           </p:nvPr>
         </p:nvSpPr>
-        <p:spPr>
-          <a:xfrm>
-            <a:off x="491817" y="615663"/>
-            <a:ext cx="11111105" cy="403200"/>
-          </a:xfrm>
-        </p:spPr>
+        <p:spPr/>
         <p:txBody>
           <a:bodyPr/>
           <a:lstStyle/>
@@ -44962,75 +44956,45 @@
           <a:bodyPr/>
           <a:lstStyle/>
           <a:p>
-            <a:r>
-              <a:rPr lang="ru-RU" dirty="0"/>
+            <a:endParaRPr lang="en-US" dirty="0"/>
+          </a:p>
+          <a:p>
+            <a:endParaRPr lang="en-US" dirty="0"/>
+          </a:p>
+          <a:p>
+            <a:endParaRPr lang="en-US" sz="1800" dirty="0"/>
+          </a:p>
+          <a:p>
+            <a:r>
+              <a:rPr lang="ru-RU" sz="1800" dirty="0"/>
               <a:t>Конвертация </a:t>
             </a:r>
             <a:r>
-              <a:rPr lang="en-US" dirty="0"/>
+              <a:rPr lang="en-US" sz="1800" dirty="0"/>
               <a:t>Java -&gt; Kotlin</a:t>
             </a:r>
           </a:p>
           <a:p>
             <a:r>
-              <a:rPr lang="ru-RU" dirty="0"/>
+              <a:rPr lang="ru-RU" sz="1800" dirty="0"/>
               <a:t>Инспекции</a:t>
             </a:r>
           </a:p>
           <a:p>
             <a:r>
-              <a:rPr lang="ru-RU" dirty="0"/>
+              <a:rPr lang="ru-RU" sz="1800" dirty="0"/>
               <a:t>Рефакторинг</a:t>
             </a:r>
-          </a:p>
-          <a:p>
-            <a:endParaRPr lang="ru-RU" dirty="0"/>
-          </a:p>
-          <a:p>
-            <a:r>
-              <a:rPr lang="ru-RU" dirty="0"/>
-              <a:t>Из </a:t>
-            </a:r>
-            <a:r>
-              <a:rPr lang="en-US" dirty="0"/>
-              <a:t>IDEA </a:t>
-            </a:r>
-            <a:r>
-              <a:rPr lang="ru-RU" dirty="0"/>
-              <a:t>недоступен </a:t>
-            </a:r>
-            <a:r>
-              <a:rPr lang="ru-RU" dirty="0" err="1"/>
-              <a:t>дебаг</a:t>
-            </a:r>
-            <a:r>
-              <a:rPr lang="ru-RU" dirty="0"/>
-              <a:t> </a:t>
-            </a:r>
-            <a:r>
-              <a:rPr lang="en-US" dirty="0"/>
-              <a:t>jar-</a:t>
-            </a:r>
-            <a:r>
-              <a:rPr lang="ru-RU" dirty="0"/>
-              <a:t>библиотек написанных на </a:t>
-            </a:r>
-            <a:r>
-              <a:rPr lang="en-US" dirty="0"/>
-              <a:t>Kotlin</a:t>
-            </a:r>
-            <a:r>
-              <a:rPr lang="ru-RU" dirty="0"/>
-              <a:t>, нужно подключать </a:t>
-            </a:r>
-            <a:r>
-              <a:rPr lang="en-US" dirty="0"/>
-              <a:t>jar </a:t>
-            </a:r>
-            <a:r>
-              <a:rPr lang="ru-RU" dirty="0"/>
-              <a:t>с исходниками</a:t>
-            </a:r>
+            <a:endParaRPr lang="en-US" sz="1800" dirty="0"/>
+          </a:p>
+          <a:p>
+            <a:pPr marL="0" indent="0">
+              <a:buNone/>
+            </a:pPr>
+            <a:endParaRPr lang="ru-RU" sz="1800" dirty="0"/>
+          </a:p>
+          <a:p>
+            <a:endParaRPr lang="ru-RU" sz="1800" dirty="0"/>
           </a:p>
           <a:p>
             <a:endParaRPr lang="ru-RU" dirty="0"/>
@@ -45039,10 +45003,94 @@
       </p:sp>
       <p:sp>
         <p:nvSpPr>
-          <p:cNvPr id="4" name="Text Placeholder 3">
+          <p:cNvPr id="15" name="Text Placeholder 14">
             <a:extLst>
               <a:ext uri="{FF2B5EF4-FFF2-40B4-BE49-F238E27FC236}">
-                <a16:creationId xmlns:a16="http://schemas.microsoft.com/office/drawing/2014/main" id="{D810D4F0-85B2-45C8-B2C0-F5339F402AB9}"/>
+                <a16:creationId xmlns:a16="http://schemas.microsoft.com/office/drawing/2014/main" id="{53BC0853-6F65-4DB4-B405-F999D71EB118}"/>
+              </a:ext>
+            </a:extLst>
+          </p:cNvPr>
+          <p:cNvSpPr>
+            <a:spLocks noGrp="1"/>
+          </p:cNvSpPr>
+          <p:nvPr>
+            <p:ph type="body" sz="quarter" idx="15"/>
+          </p:nvPr>
+        </p:nvSpPr>
+        <p:spPr/>
+        <p:txBody>
+          <a:bodyPr/>
+          <a:lstStyle/>
+          <a:p>
+            <a:endParaRPr lang="en-US" dirty="0"/>
+          </a:p>
+          <a:p>
+            <a:endParaRPr lang="en-US" dirty="0"/>
+          </a:p>
+          <a:p>
+            <a:endParaRPr lang="en-US" sz="1600" dirty="0"/>
+          </a:p>
+          <a:p>
+            <a:r>
+              <a:rPr lang="ru-RU" sz="1600" dirty="0"/>
+              <a:t>Из </a:t>
+            </a:r>
+            <a:r>
+              <a:rPr lang="en-US" sz="1800" dirty="0"/>
+              <a:t>IDEA</a:t>
+            </a:r>
+            <a:r>
+              <a:rPr lang="en-US" sz="1600" dirty="0"/>
+              <a:t> </a:t>
+            </a:r>
+            <a:r>
+              <a:rPr lang="ru-RU" sz="1600" dirty="0"/>
+              <a:t>недоступен </a:t>
+            </a:r>
+            <a:r>
+              <a:rPr lang="ru-RU" sz="1600" dirty="0" err="1"/>
+              <a:t>дебаг</a:t>
+            </a:r>
+            <a:r>
+              <a:rPr lang="ru-RU" sz="1600" dirty="0"/>
+              <a:t> </a:t>
+            </a:r>
+            <a:r>
+              <a:rPr lang="en-US" sz="1600" dirty="0"/>
+              <a:t>jar-</a:t>
+            </a:r>
+            <a:r>
+              <a:rPr lang="ru-RU" sz="1600" dirty="0"/>
+              <a:t>библиотек написанных на </a:t>
+            </a:r>
+            <a:r>
+              <a:rPr lang="en-US" sz="1600" dirty="0"/>
+              <a:t>Kotlin</a:t>
+            </a:r>
+            <a:r>
+              <a:rPr lang="ru-RU" sz="1600" dirty="0"/>
+              <a:t>, нужно подключать </a:t>
+            </a:r>
+            <a:r>
+              <a:rPr lang="en-US" sz="1600" dirty="0"/>
+              <a:t>jar </a:t>
+            </a:r>
+            <a:r>
+              <a:rPr lang="ru-RU" sz="1600" dirty="0"/>
+              <a:t>с исходниками</a:t>
+            </a:r>
+          </a:p>
+          <a:p>
+            <a:endParaRPr lang="ru-RU" dirty="0"/>
+          </a:p>
+        </p:txBody>
+      </p:sp>
+      <p:sp>
+        <p:nvSpPr>
+          <p:cNvPr id="14" name="Text Placeholder 13">
+            <a:extLst>
+              <a:ext uri="{FF2B5EF4-FFF2-40B4-BE49-F238E27FC236}">
+                <a16:creationId xmlns:a16="http://schemas.microsoft.com/office/drawing/2014/main" id="{972205B8-297F-4351-B775-7E274967E1B0}"/>
               </a:ext>
             </a:extLst>
           </p:cNvPr>
@@ -45064,10 +45112,10 @@
       </p:sp>
       <p:sp>
         <p:nvSpPr>
-          <p:cNvPr id="5" name="Subtitle 4">
+          <p:cNvPr id="13" name="Subtitle 12">
             <a:extLst>
               <a:ext uri="{FF2B5EF4-FFF2-40B4-BE49-F238E27FC236}">
-                <a16:creationId xmlns:a16="http://schemas.microsoft.com/office/drawing/2014/main" id="{2A9BB4B6-96D7-4C4E-8275-FC83ECA01754}"/>
+                <a16:creationId xmlns:a16="http://schemas.microsoft.com/office/drawing/2014/main" id="{577A7D6A-4D73-43EE-8745-7FD73A3A5CBB}"/>
               </a:ext>
             </a:extLst>
           </p:cNvPr>
@@ -45089,10 +45137,10 @@
       </p:sp>
       <p:sp>
         <p:nvSpPr>
-          <p:cNvPr id="6" name="Text Placeholder 5">
+          <p:cNvPr id="16" name="Text Placeholder 15">
             <a:extLst>
               <a:ext uri="{FF2B5EF4-FFF2-40B4-BE49-F238E27FC236}">
-                <a16:creationId xmlns:a16="http://schemas.microsoft.com/office/drawing/2014/main" id="{A2DE4945-4D96-4126-823E-807CEDB776CE}"/>
+                <a16:creationId xmlns:a16="http://schemas.microsoft.com/office/drawing/2014/main" id="{158F0BDB-E690-468C-B5B9-480F5EAEDEC0}"/>
               </a:ext>
             </a:extLst>
           </p:cNvPr>
@@ -45100,7 +45148,7 @@
             <a:spLocks noGrp="1"/>
           </p:cNvSpPr>
           <p:nvPr>
-            <p:ph type="body" sz="quarter" idx="15"/>
+            <p:ph type="body" sz="quarter" idx="16"/>
           </p:nvPr>
         </p:nvSpPr>
         <p:spPr/>
@@ -45112,6 +45160,78 @@
           </a:p>
         </p:txBody>
       </p:sp>
+      <p:pic>
+        <p:nvPicPr>
+          <p:cNvPr id="11" name="Picture 10">
+            <a:extLst>
+              <a:ext uri="{FF2B5EF4-FFF2-40B4-BE49-F238E27FC236}">
+                <a16:creationId xmlns:a16="http://schemas.microsoft.com/office/drawing/2014/main" id="{3C7614E5-9DF1-4B15-B263-C8E41C703D3D}"/>
+              </a:ext>
+            </a:extLst>
+          </p:cNvPr>
+          <p:cNvPicPr>
+            <a:picLocks noChangeAspect="1"/>
+          </p:cNvPicPr>
+          <p:nvPr/>
+        </p:nvPicPr>
+        <p:blipFill>
+          <a:blip r:embed="rId2" cstate="screen">
+            <a:extLst>
+              <a:ext uri="{28A0092B-C50C-407E-A947-70E740481C1C}">
+                <a14:useLocalDpi xmlns:a14="http://schemas.microsoft.com/office/drawing/2010/main" val="0"/>
+              </a:ext>
+            </a:extLst>
+          </a:blip>
+          <a:stretch>
+            <a:fillRect/>
+          </a:stretch>
+        </p:blipFill>
+        <p:spPr>
+          <a:xfrm>
+            <a:off x="827903" y="2000746"/>
+            <a:ext cx="485903" cy="485903"/>
+          </a:xfrm>
+          <a:prstGeom prst="rect">
+            <a:avLst/>
+          </a:prstGeom>
+        </p:spPr>
+      </p:pic>
+      <p:pic>
+        <p:nvPicPr>
+          <p:cNvPr id="12" name="Picture 11">
+            <a:extLst>
+              <a:ext uri="{FF2B5EF4-FFF2-40B4-BE49-F238E27FC236}">
+                <a16:creationId xmlns:a16="http://schemas.microsoft.com/office/drawing/2014/main" id="{42A21EEF-6CC9-4CE5-9FAE-7C507B7A0E71}"/>
+              </a:ext>
+            </a:extLst>
+          </p:cNvPr>
+          <p:cNvPicPr>
+            <a:picLocks noChangeAspect="1"/>
+          </p:cNvPicPr>
+          <p:nvPr/>
+        </p:nvPicPr>
+        <p:blipFill>
+          <a:blip r:embed="rId3" cstate="screen">
+            <a:extLst>
+              <a:ext uri="{28A0092B-C50C-407E-A947-70E740481C1C}">
+                <a14:useLocalDpi xmlns:a14="http://schemas.microsoft.com/office/drawing/2010/main" val="0"/>
+              </a:ext>
+            </a:extLst>
+          </a:blip>
+          <a:stretch>
+            <a:fillRect/>
+          </a:stretch>
+        </p:blipFill>
+        <p:spPr>
+          <a:xfrm>
+            <a:off x="6565127" y="2000747"/>
+            <a:ext cx="485903" cy="485903"/>
+          </a:xfrm>
+          <a:prstGeom prst="rect">
+            <a:avLst/>
+          </a:prstGeom>
+        </p:spPr>
+      </p:pic>
     </p:spTree>
     <p:extLst>
       <p:ext uri="{BB962C8B-B14F-4D97-AF65-F5344CB8AC3E}">
@@ -45406,51 +45526,101 @@
           <a:lstStyle/>
           <a:p>
             <a:r>
-              <a:rPr lang="ru-RU" dirty="0"/>
+              <a:rPr lang="ru-RU" sz="2000" dirty="0"/>
               <a:t>Безопасные вызовы</a:t>
             </a:r>
-          </a:p>
-          <a:p>
-            <a:r>
-              <a:rPr lang="ru-RU" dirty="0"/>
+            <a:r>
+              <a:rPr lang="en-US" sz="2000" dirty="0"/>
+              <a:t> </a:t>
+            </a:r>
+            <a:r>
+              <a:rPr lang="ru-RU" sz="2000" dirty="0"/>
+              <a:t>и </a:t>
+            </a:r>
+            <a:r>
+              <a:rPr lang="en-US" sz="2000" dirty="0"/>
+              <a:t>let</a:t>
+            </a:r>
+            <a:endParaRPr lang="ru-RU" sz="2000" dirty="0"/>
+          </a:p>
+          <a:p>
+            <a:r>
+              <a:rPr lang="ru-RU" sz="2000" dirty="0"/>
               <a:t>Оператор </a:t>
             </a:r>
             <a:r>
-              <a:rPr lang="en-US" dirty="0" err="1"/>
+              <a:rPr lang="en-US" sz="2000" dirty="0" err="1"/>
               <a:t>elvis</a:t>
             </a:r>
             <a:r>
-              <a:rPr lang="en-US" dirty="0"/>
+              <a:rPr lang="en-US" sz="2000" dirty="0"/>
               <a:t> ?:</a:t>
             </a:r>
           </a:p>
           <a:p>
-            <a:r>
-              <a:rPr lang="ru-RU" dirty="0"/>
-              <a:t>Оператор !!</a:t>
-            </a:r>
-          </a:p>
-          <a:p>
-            <a:r>
-              <a:rPr lang="ru-RU" dirty="0"/>
+            <a:endParaRPr lang="ru-RU" sz="2000" dirty="0"/>
+          </a:p>
+          <a:p>
+            <a:endParaRPr lang="ru-RU" sz="2000" dirty="0"/>
+          </a:p>
+          <a:p>
+            <a:pPr marL="0" indent="0">
+              <a:buNone/>
+            </a:pPr>
+            <a:endParaRPr lang="en-US" sz="2000" dirty="0"/>
+          </a:p>
+          <a:p>
+            <a:pPr marL="0" indent="0">
+              <a:buNone/>
+            </a:pPr>
+            <a:endParaRPr lang="ru-RU" sz="2000" dirty="0"/>
+          </a:p>
+          <a:p>
+            <a:r>
+              <a:rPr lang="ru-RU" sz="2000" dirty="0"/>
               <a:t>Безопасное приведение типов</a:t>
             </a:r>
-          </a:p>
-          <a:p>
-            <a:r>
-              <a:rPr lang="en-US" dirty="0"/>
-              <a:t>Let</a:t>
-            </a:r>
-            <a:endParaRPr lang="ru-RU" dirty="0"/>
           </a:p>
         </p:txBody>
       </p:sp>
       <p:sp>
         <p:nvSpPr>
-          <p:cNvPr id="4" name="Text Placeholder 3">
+          <p:cNvPr id="12" name="Text Placeholder 11">
             <a:extLst>
               <a:ext uri="{FF2B5EF4-FFF2-40B4-BE49-F238E27FC236}">
-                <a16:creationId xmlns:a16="http://schemas.microsoft.com/office/drawing/2014/main" id="{8ADD1B42-7ABA-4F2A-8A46-40284CBE4901}"/>
+                <a16:creationId xmlns:a16="http://schemas.microsoft.com/office/drawing/2014/main" id="{E4FDC878-ABB3-4B10-91C8-C0D003FD07DD}"/>
+              </a:ext>
+            </a:extLst>
+          </p:cNvPr>
+          <p:cNvSpPr>
+            <a:spLocks noGrp="1"/>
+          </p:cNvSpPr>
+          <p:nvPr>
+            <p:ph type="body" sz="quarter" idx="15"/>
+          </p:nvPr>
+        </p:nvSpPr>
+        <p:spPr/>
+        <p:txBody>
+          <a:bodyPr/>
+          <a:lstStyle/>
+          <a:p>
+            <a:r>
+              <a:rPr lang="ru-RU" sz="2000" dirty="0"/>
+              <a:t>Оператор !!</a:t>
+            </a:r>
+            <a:endParaRPr lang="ru-RU" dirty="0"/>
+          </a:p>
+          <a:p>
+            <a:endParaRPr lang="ru-RU" dirty="0"/>
+          </a:p>
+        </p:txBody>
+      </p:sp>
+      <p:sp>
+        <p:nvSpPr>
+          <p:cNvPr id="11" name="Text Placeholder 10">
+            <a:extLst>
+              <a:ext uri="{FF2B5EF4-FFF2-40B4-BE49-F238E27FC236}">
+                <a16:creationId xmlns:a16="http://schemas.microsoft.com/office/drawing/2014/main" id="{2FEC5759-7B09-4F3C-95C3-A8089FFFCEED}"/>
               </a:ext>
             </a:extLst>
           </p:cNvPr>
@@ -45472,10 +45642,10 @@
       </p:sp>
       <p:sp>
         <p:nvSpPr>
-          <p:cNvPr id="5" name="Subtitle 4">
+          <p:cNvPr id="10" name="Subtitle 9">
             <a:extLst>
               <a:ext uri="{FF2B5EF4-FFF2-40B4-BE49-F238E27FC236}">
-                <a16:creationId xmlns:a16="http://schemas.microsoft.com/office/drawing/2014/main" id="{D4C8524D-CD67-47E1-AA98-8099C518E1DC}"/>
+                <a16:creationId xmlns:a16="http://schemas.microsoft.com/office/drawing/2014/main" id="{238BC5B3-5B64-4504-888D-1AB58EBF2329}"/>
               </a:ext>
             </a:extLst>
           </p:cNvPr>
@@ -45497,10 +45667,10 @@
       </p:sp>
       <p:sp>
         <p:nvSpPr>
-          <p:cNvPr id="6" name="Text Placeholder 5">
+          <p:cNvPr id="13" name="Text Placeholder 12">
             <a:extLst>
               <a:ext uri="{FF2B5EF4-FFF2-40B4-BE49-F238E27FC236}">
-                <a16:creationId xmlns:a16="http://schemas.microsoft.com/office/drawing/2014/main" id="{A39E37BE-92A2-4753-9EED-2BD4AE108908}"/>
+                <a16:creationId xmlns:a16="http://schemas.microsoft.com/office/drawing/2014/main" id="{59F5273B-8F25-4455-9E99-A3AD8071E737}"/>
               </a:ext>
             </a:extLst>
           </p:cNvPr>
@@ -45508,7 +45678,7 @@
             <a:spLocks noGrp="1"/>
           </p:cNvSpPr>
           <p:nvPr>
-            <p:ph type="body" sz="quarter" idx="15"/>
+            <p:ph type="body" sz="quarter" idx="16"/>
           </p:nvPr>
         </p:nvSpPr>
         <p:spPr/>
@@ -45520,6 +45690,117 @@
           </a:p>
         </p:txBody>
       </p:sp>
+      <p:pic>
+        <p:nvPicPr>
+          <p:cNvPr id="8" name="Picture 7">
+            <a:extLst>
+              <a:ext uri="{FF2B5EF4-FFF2-40B4-BE49-F238E27FC236}">
+                <a16:creationId xmlns:a16="http://schemas.microsoft.com/office/drawing/2014/main" id="{0840C096-31AC-4A4E-9E98-A2DE38CE21FD}"/>
+              </a:ext>
+            </a:extLst>
+          </p:cNvPr>
+          <p:cNvPicPr>
+            <a:picLocks noChangeAspect="1"/>
+          </p:cNvPicPr>
+          <p:nvPr/>
+        </p:nvPicPr>
+        <p:blipFill>
+          <a:blip r:embed="rId2"/>
+          <a:stretch>
+            <a:fillRect/>
+          </a:stretch>
+        </p:blipFill>
+        <p:spPr>
+          <a:xfrm>
+            <a:off x="589077" y="2546332"/>
+            <a:ext cx="5644178" cy="1362081"/>
+          </a:xfrm>
+          <a:prstGeom prst="rect">
+            <a:avLst/>
+          </a:prstGeom>
+          <a:effectLst>
+            <a:outerShdw blurRad="50800" dist="38100" dir="2700000" algn="tl" rotWithShape="0">
+              <a:prstClr val="black">
+                <a:alpha val="40000"/>
+              </a:prstClr>
+            </a:outerShdw>
+          </a:effectLst>
+        </p:spPr>
+      </p:pic>
+      <p:pic>
+        <p:nvPicPr>
+          <p:cNvPr id="9" name="Picture 8">
+            <a:extLst>
+              <a:ext uri="{FF2B5EF4-FFF2-40B4-BE49-F238E27FC236}">
+                <a16:creationId xmlns:a16="http://schemas.microsoft.com/office/drawing/2014/main" id="{A429678D-23A5-4B9A-BDB5-5C06D47236B6}"/>
+              </a:ext>
+            </a:extLst>
+          </p:cNvPr>
+          <p:cNvPicPr>
+            <a:picLocks noChangeAspect="1"/>
+          </p:cNvPicPr>
+          <p:nvPr/>
+        </p:nvPicPr>
+        <p:blipFill>
+          <a:blip r:embed="rId3"/>
+          <a:stretch>
+            <a:fillRect/>
+          </a:stretch>
+        </p:blipFill>
+        <p:spPr>
+          <a:xfrm>
+            <a:off x="6549736" y="2062324"/>
+            <a:ext cx="4114800" cy="1057275"/>
+          </a:xfrm>
+          <a:prstGeom prst="rect">
+            <a:avLst/>
+          </a:prstGeom>
+          <a:effectLst>
+            <a:outerShdw blurRad="50800" dist="38100" dir="2700000" algn="tl" rotWithShape="0">
+              <a:prstClr val="black">
+                <a:alpha val="40000"/>
+              </a:prstClr>
+            </a:outerShdw>
+          </a:effectLst>
+        </p:spPr>
+      </p:pic>
+      <p:pic>
+        <p:nvPicPr>
+          <p:cNvPr id="14" name="Picture 13">
+            <a:extLst>
+              <a:ext uri="{FF2B5EF4-FFF2-40B4-BE49-F238E27FC236}">
+                <a16:creationId xmlns:a16="http://schemas.microsoft.com/office/drawing/2014/main" id="{A54AD8AE-34C6-4CA4-87CB-50287C23D49F}"/>
+              </a:ext>
+            </a:extLst>
+          </p:cNvPr>
+          <p:cNvPicPr>
+            <a:picLocks noChangeAspect="1"/>
+          </p:cNvPicPr>
+          <p:nvPr/>
+        </p:nvPicPr>
+        <p:blipFill>
+          <a:blip r:embed="rId4"/>
+          <a:stretch>
+            <a:fillRect/>
+          </a:stretch>
+        </p:blipFill>
+        <p:spPr>
+          <a:xfrm>
+            <a:off x="589077" y="4936495"/>
+            <a:ext cx="2924175" cy="266700"/>
+          </a:xfrm>
+          <a:prstGeom prst="rect">
+            <a:avLst/>
+          </a:prstGeom>
+          <a:effectLst>
+            <a:outerShdw blurRad="50800" dist="38100" dir="2700000" algn="tl" rotWithShape="0">
+              <a:prstClr val="black">
+                <a:alpha val="40000"/>
+              </a:prstClr>
+            </a:outerShdw>
+          </a:effectLst>
+        </p:spPr>
+      </p:pic>
     </p:spTree>
     <p:extLst>
       <p:ext uri="{BB962C8B-B14F-4D97-AF65-F5344CB8AC3E}">
@@ -45758,53 +46039,101 @@
           <a:lstStyle/>
           <a:p>
             <a:r>
-              <a:rPr lang="ru-RU" dirty="0"/>
+              <a:rPr lang="ru-RU" sz="1800" dirty="0"/>
               <a:t>Параметры по умолчанию</a:t>
             </a:r>
           </a:p>
           <a:p>
             <a:r>
-              <a:rPr lang="ru-RU" dirty="0"/>
+              <a:rPr lang="ru-RU" sz="1800" dirty="0"/>
               <a:t>Именованные параметры</a:t>
             </a:r>
           </a:p>
           <a:p>
-            <a:r>
-              <a:rPr lang="ru-RU" dirty="0"/>
-              <a:t>Локальные функции</a:t>
-            </a:r>
-          </a:p>
-          <a:p>
-            <a:r>
-              <a:rPr lang="ru-RU" dirty="0"/>
+            <a:endParaRPr lang="ru-RU" sz="1800" dirty="0"/>
+          </a:p>
+          <a:p>
+            <a:endParaRPr lang="ru-RU" sz="1800" dirty="0"/>
+          </a:p>
+          <a:p>
+            <a:endParaRPr lang="ru-RU" sz="1800" dirty="0"/>
+          </a:p>
+          <a:p>
+            <a:endParaRPr lang="ru-RU" sz="1800" dirty="0"/>
+          </a:p>
+          <a:p>
+            <a:endParaRPr lang="en-US" sz="1800" dirty="0"/>
+          </a:p>
+          <a:p>
+            <a:r>
+              <a:rPr lang="ru-RU" sz="1800" dirty="0"/>
               <a:t>Функции верхнего уровня</a:t>
             </a:r>
-            <a:endParaRPr lang="en-US" dirty="0"/>
-          </a:p>
-          <a:p>
-            <a:r>
-              <a:rPr lang="en-US" dirty="0"/>
-              <a:t>Inline</a:t>
-            </a:r>
-          </a:p>
-          <a:p>
-            <a:r>
-              <a:rPr lang="en-US" dirty="0"/>
-              <a:t>Tail </a:t>
-            </a:r>
-            <a:r>
-              <a:rPr lang="ru-RU" dirty="0"/>
-              <a:t>рекурсия</a:t>
-            </a:r>
+            <a:endParaRPr lang="en-US" sz="1800" dirty="0"/>
+          </a:p>
+          <a:p>
+            <a:endParaRPr lang="ru-RU" sz="1800" dirty="0"/>
           </a:p>
         </p:txBody>
       </p:sp>
       <p:sp>
         <p:nvSpPr>
-          <p:cNvPr id="4" name="Text Placeholder 3">
+          <p:cNvPr id="11" name="Text Placeholder 10">
             <a:extLst>
               <a:ext uri="{FF2B5EF4-FFF2-40B4-BE49-F238E27FC236}">
-                <a16:creationId xmlns:a16="http://schemas.microsoft.com/office/drawing/2014/main" id="{BF589459-CD98-4FFA-B06E-83D099321548}"/>
+                <a16:creationId xmlns:a16="http://schemas.microsoft.com/office/drawing/2014/main" id="{9D60B98C-FBDB-4F64-9833-3352D5606DBA}"/>
+              </a:ext>
+            </a:extLst>
+          </p:cNvPr>
+          <p:cNvSpPr>
+            <a:spLocks noGrp="1"/>
+          </p:cNvSpPr>
+          <p:nvPr>
+            <p:ph type="body" sz="quarter" idx="15"/>
+          </p:nvPr>
+        </p:nvSpPr>
+        <p:spPr/>
+        <p:txBody>
+          <a:bodyPr/>
+          <a:lstStyle/>
+          <a:p>
+            <a:r>
+              <a:rPr lang="ru-RU" sz="1800" dirty="0"/>
+              <a:t>Локальные функции</a:t>
+            </a:r>
+          </a:p>
+          <a:p>
+            <a:r>
+              <a:rPr lang="en-US" sz="1800" dirty="0"/>
+              <a:t>Inline</a:t>
+            </a:r>
+            <a:r>
+              <a:rPr lang="ru-RU" sz="1800" dirty="0"/>
+              <a:t> функции</a:t>
+            </a:r>
+            <a:endParaRPr lang="en-US" sz="1800" dirty="0"/>
+          </a:p>
+          <a:p>
+            <a:r>
+              <a:rPr lang="en-US" sz="1800" dirty="0"/>
+              <a:t>Tail </a:t>
+            </a:r>
+            <a:r>
+              <a:rPr lang="ru-RU" sz="1800" dirty="0"/>
+              <a:t>рекурсия</a:t>
+            </a:r>
+          </a:p>
+          <a:p>
+            <a:endParaRPr lang="ru-RU" dirty="0"/>
+          </a:p>
+        </p:txBody>
+      </p:sp>
+      <p:sp>
+        <p:nvSpPr>
+          <p:cNvPr id="10" name="Text Placeholder 9">
+            <a:extLst>
+              <a:ext uri="{FF2B5EF4-FFF2-40B4-BE49-F238E27FC236}">
+                <a16:creationId xmlns:a16="http://schemas.microsoft.com/office/drawing/2014/main" id="{3FA0E43B-8AD2-4F3B-AF5C-3B8D44555E25}"/>
               </a:ext>
             </a:extLst>
           </p:cNvPr>
@@ -45826,10 +46155,10 @@
       </p:sp>
       <p:sp>
         <p:nvSpPr>
-          <p:cNvPr id="5" name="Subtitle 4">
+          <p:cNvPr id="9" name="Subtitle 8">
             <a:extLst>
               <a:ext uri="{FF2B5EF4-FFF2-40B4-BE49-F238E27FC236}">
-                <a16:creationId xmlns:a16="http://schemas.microsoft.com/office/drawing/2014/main" id="{609C570C-83F4-4044-B624-FAB5CD6BBD44}"/>
+                <a16:creationId xmlns:a16="http://schemas.microsoft.com/office/drawing/2014/main" id="{72A99ABA-E723-42F3-9471-76F4447266DE}"/>
               </a:ext>
             </a:extLst>
           </p:cNvPr>
@@ -45851,10 +46180,10 @@
       </p:sp>
       <p:sp>
         <p:nvSpPr>
-          <p:cNvPr id="6" name="Text Placeholder 5">
+          <p:cNvPr id="12" name="Text Placeholder 11">
             <a:extLst>
               <a:ext uri="{FF2B5EF4-FFF2-40B4-BE49-F238E27FC236}">
-                <a16:creationId xmlns:a16="http://schemas.microsoft.com/office/drawing/2014/main" id="{E07D948C-1C43-4C36-A78A-F1373D14E058}"/>
+                <a16:creationId xmlns:a16="http://schemas.microsoft.com/office/drawing/2014/main" id="{6D1F36A3-55F5-45A9-BF8F-6CB2E6772D2F}"/>
               </a:ext>
             </a:extLst>
           </p:cNvPr>
@@ -45862,7 +46191,7 @@
             <a:spLocks noGrp="1"/>
           </p:cNvSpPr>
           <p:nvPr>
-            <p:ph type="body" sz="quarter" idx="15"/>
+            <p:ph type="body" sz="quarter" idx="16"/>
           </p:nvPr>
         </p:nvSpPr>
         <p:spPr/>
@@ -45874,6 +46203,66 @@
           </a:p>
         </p:txBody>
       </p:sp>
+      <p:pic>
+        <p:nvPicPr>
+          <p:cNvPr id="7" name="Picture 6">
+            <a:extLst>
+              <a:ext uri="{FF2B5EF4-FFF2-40B4-BE49-F238E27FC236}">
+                <a16:creationId xmlns:a16="http://schemas.microsoft.com/office/drawing/2014/main" id="{BA721B1E-7E54-46FB-9E50-AA79745F3C4F}"/>
+              </a:ext>
+            </a:extLst>
+          </p:cNvPr>
+          <p:cNvPicPr>
+            <a:picLocks noChangeAspect="1"/>
+          </p:cNvPicPr>
+          <p:nvPr/>
+        </p:nvPicPr>
+        <p:blipFill>
+          <a:blip r:embed="rId2"/>
+          <a:stretch>
+            <a:fillRect/>
+          </a:stretch>
+        </p:blipFill>
+        <p:spPr>
+          <a:xfrm>
+            <a:off x="441324" y="2709862"/>
+            <a:ext cx="5803536" cy="1438275"/>
+          </a:xfrm>
+          <a:prstGeom prst="rect">
+            <a:avLst/>
+          </a:prstGeom>
+        </p:spPr>
+      </p:pic>
+      <p:pic>
+        <p:nvPicPr>
+          <p:cNvPr id="8" name="Picture 7">
+            <a:extLst>
+              <a:ext uri="{FF2B5EF4-FFF2-40B4-BE49-F238E27FC236}">
+                <a16:creationId xmlns:a16="http://schemas.microsoft.com/office/drawing/2014/main" id="{392764EA-45C9-480D-B1F6-B500E99D53E5}"/>
+              </a:ext>
+            </a:extLst>
+          </p:cNvPr>
+          <p:cNvPicPr>
+            <a:picLocks noChangeAspect="1"/>
+          </p:cNvPicPr>
+          <p:nvPr/>
+        </p:nvPicPr>
+        <p:blipFill>
+          <a:blip r:embed="rId3"/>
+          <a:stretch>
+            <a:fillRect/>
+          </a:stretch>
+        </p:blipFill>
+        <p:spPr>
+          <a:xfrm>
+            <a:off x="6295661" y="3311114"/>
+            <a:ext cx="3267075" cy="1238250"/>
+          </a:xfrm>
+          <a:prstGeom prst="rect">
+            <a:avLst/>
+          </a:prstGeom>
+        </p:spPr>
+      </p:pic>
     </p:spTree>
     <p:extLst>
       <p:ext uri="{BB962C8B-B14F-4D97-AF65-F5344CB8AC3E}">
@@ -46288,27 +46677,27 @@
           <a:lstStyle/>
           <a:p>
             <a:r>
-              <a:rPr lang="ru-RU" dirty="0"/>
+              <a:rPr lang="ru-RU" sz="1600" dirty="0"/>
               <a:t>Классы закрыты по умолчанию</a:t>
             </a:r>
           </a:p>
           <a:p>
             <a:r>
-              <a:rPr lang="en-US" dirty="0"/>
+              <a:rPr lang="en-US" sz="1600" dirty="0"/>
               <a:t>Override </a:t>
             </a:r>
             <a:r>
-              <a:rPr lang="ru-RU" dirty="0"/>
+              <a:rPr lang="ru-RU" sz="1600" dirty="0"/>
               <a:t>для замещения методов</a:t>
             </a:r>
           </a:p>
           <a:p>
             <a:r>
-              <a:rPr lang="en-US" dirty="0"/>
+              <a:rPr lang="en-US" sz="1600" dirty="0"/>
               <a:t>Singletons </a:t>
             </a:r>
             <a:r>
-              <a:rPr lang="ru-RU" dirty="0"/>
+              <a:rPr lang="ru-RU" sz="1600" dirty="0"/>
               <a:t>на уровне языка</a:t>
             </a:r>
           </a:p>
@@ -46389,6 +46778,80 @@
           </a:p>
         </p:txBody>
       </p:sp>
+      <p:pic>
+        <p:nvPicPr>
+          <p:cNvPr id="11" name="Picture 10">
+            <a:extLst>
+              <a:ext uri="{FF2B5EF4-FFF2-40B4-BE49-F238E27FC236}">
+                <a16:creationId xmlns:a16="http://schemas.microsoft.com/office/drawing/2014/main" id="{2E84DFB1-A933-4428-857D-1A526C5FD2E2}"/>
+              </a:ext>
+            </a:extLst>
+          </p:cNvPr>
+          <p:cNvPicPr>
+            <a:picLocks noChangeAspect="1"/>
+          </p:cNvPicPr>
+          <p:nvPr/>
+        </p:nvPicPr>
+        <p:blipFill>
+          <a:blip r:embed="rId2"/>
+          <a:stretch>
+            <a:fillRect/>
+          </a:stretch>
+        </p:blipFill>
+        <p:spPr>
+          <a:xfrm>
+            <a:off x="6600825" y="1426312"/>
+            <a:ext cx="4210050" cy="4829175"/>
+          </a:xfrm>
+          <a:prstGeom prst="rect">
+            <a:avLst/>
+          </a:prstGeom>
+          <a:effectLst>
+            <a:outerShdw blurRad="50800" dist="38100" dir="2700000" algn="tl" rotWithShape="0">
+              <a:prstClr val="black">
+                <a:alpha val="40000"/>
+              </a:prstClr>
+            </a:outerShdw>
+          </a:effectLst>
+        </p:spPr>
+      </p:pic>
+      <p:pic>
+        <p:nvPicPr>
+          <p:cNvPr id="12" name="Picture 11">
+            <a:extLst>
+              <a:ext uri="{FF2B5EF4-FFF2-40B4-BE49-F238E27FC236}">
+                <a16:creationId xmlns:a16="http://schemas.microsoft.com/office/drawing/2014/main" id="{B802F489-BE54-4479-A15C-96143FFA87D6}"/>
+              </a:ext>
+            </a:extLst>
+          </p:cNvPr>
+          <p:cNvPicPr>
+            <a:picLocks noChangeAspect="1"/>
+          </p:cNvPicPr>
+          <p:nvPr/>
+        </p:nvPicPr>
+        <p:blipFill>
+          <a:blip r:embed="rId3"/>
+          <a:stretch>
+            <a:fillRect/>
+          </a:stretch>
+        </p:blipFill>
+        <p:spPr>
+          <a:xfrm>
+            <a:off x="589075" y="2934794"/>
+            <a:ext cx="3838575" cy="1619250"/>
+          </a:xfrm>
+          <a:prstGeom prst="rect">
+            <a:avLst/>
+          </a:prstGeom>
+          <a:effectLst>
+            <a:outerShdw blurRad="50800" dist="38100" dir="2700000" algn="tl" rotWithShape="0">
+              <a:prstClr val="black">
+                <a:alpha val="40000"/>
+              </a:prstClr>
+            </a:outerShdw>
+          </a:effectLst>
+        </p:spPr>
+      </p:pic>
     </p:spTree>
     <p:extLst>
       <p:ext uri="{BB962C8B-B14F-4D97-AF65-F5344CB8AC3E}">
@@ -46667,76 +47130,93 @@
           </a:p>
           <a:p>
             <a:r>
-              <a:rPr lang="en-US" dirty="0"/>
+              <a:rPr lang="en-US" sz="1600" dirty="0"/>
               <a:t>Generated equals, </a:t>
             </a:r>
             <a:r>
-              <a:rPr lang="en-US" dirty="0" err="1"/>
+              <a:rPr lang="en-US" sz="1600" dirty="0" err="1"/>
               <a:t>hashCode</a:t>
             </a:r>
             <a:r>
-              <a:rPr lang="en-US" dirty="0"/>
+              <a:rPr lang="en-US" sz="1600" dirty="0"/>
               <a:t>, </a:t>
             </a:r>
             <a:r>
-              <a:rPr lang="en-US" dirty="0" err="1"/>
+              <a:rPr lang="en-US" sz="1600" dirty="0" err="1"/>
               <a:t>toString</a:t>
             </a:r>
-            <a:endParaRPr lang="ru-RU" dirty="0"/>
-          </a:p>
-          <a:p>
-            <a:r>
-              <a:rPr lang="ru-RU" dirty="0"/>
+            <a:endParaRPr lang="ru-RU" sz="1600" dirty="0"/>
+          </a:p>
+          <a:p>
+            <a:r>
+              <a:rPr lang="ru-RU" sz="1600" dirty="0"/>
               <a:t>Поддержка </a:t>
             </a:r>
             <a:r>
-              <a:rPr lang="en-US" dirty="0" err="1"/>
+              <a:rPr lang="en-US" sz="1600" dirty="0" err="1"/>
               <a:t>Destructuring</a:t>
             </a:r>
-            <a:endParaRPr lang="ru-RU" dirty="0"/>
-          </a:p>
-          <a:p>
-            <a:r>
-              <a:rPr lang="ru-RU" dirty="0"/>
+            <a:endParaRPr lang="ru-RU" sz="1600" dirty="0"/>
+          </a:p>
+          <a:p>
+            <a:r>
+              <a:rPr lang="ru-RU" sz="1600" dirty="0"/>
               <a:t>Копирование</a:t>
             </a:r>
-            <a:endParaRPr lang="en-US" dirty="0"/>
+            <a:endParaRPr lang="en-US" sz="1600" dirty="0"/>
           </a:p>
           <a:p>
             <a:pPr marL="0" indent="0">
               <a:buNone/>
             </a:pPr>
-            <a:endParaRPr lang="en-US" dirty="0"/>
+            <a:endParaRPr lang="en-US" sz="1600" dirty="0"/>
           </a:p>
           <a:p>
             <a:pPr marL="0" indent="0">
               <a:buNone/>
             </a:pPr>
-            <a:endParaRPr lang="en-US" dirty="0"/>
-          </a:p>
-          <a:p>
-            <a:r>
-              <a:rPr lang="ru-RU" dirty="0"/>
-              <a:t>Очень ограниченный для расширения</a:t>
-            </a:r>
-          </a:p>
-          <a:p>
-            <a:r>
-              <a:rPr lang="ru-RU" dirty="0"/>
-              <a:t>Использование </a:t>
-            </a:r>
-            <a:r>
-              <a:rPr lang="en-US" dirty="0"/>
-              <a:t>data</a:t>
-            </a:r>
-            <a:r>
-              <a:rPr lang="ru-RU" dirty="0"/>
-              <a:t> классов может нарушить совместимость в публичном </a:t>
-            </a:r>
-            <a:r>
-              <a:rPr lang="en-US" dirty="0"/>
-              <a:t>API</a:t>
-            </a:r>
+            <a:endParaRPr lang="en-US" sz="1600" dirty="0"/>
+          </a:p>
+          <a:p>
+            <a:r>
+              <a:rPr lang="ru-RU" sz="1600" dirty="0"/>
+              <a:t>Ограниченный для расширения</a:t>
+            </a:r>
+          </a:p>
+          <a:p>
+            <a:r>
+              <a:rPr lang="ru-RU" sz="1600" dirty="0"/>
+              <a:t>Специфика работы </a:t>
+            </a:r>
+            <a:r>
+              <a:rPr lang="en-US" sz="1600" dirty="0"/>
+              <a:t>copy </a:t>
+            </a:r>
+            <a:r>
+              <a:rPr lang="ru-RU" sz="1600" dirty="0"/>
+              <a:t>и </a:t>
+            </a:r>
+            <a:r>
+              <a:rPr lang="en-US" sz="1600" dirty="0" err="1"/>
+              <a:t>desctructuring</a:t>
+            </a:r>
+            <a:r>
+              <a:rPr lang="en-US" sz="1600" dirty="0"/>
+              <a:t> </a:t>
+            </a:r>
+            <a:r>
+              <a:rPr lang="ru-RU" sz="1600" dirty="0"/>
+              <a:t>затрудняют изменение структуры </a:t>
+            </a:r>
+            <a:r>
+              <a:rPr lang="en-US" sz="1600" dirty="0"/>
+              <a:t>data </a:t>
+            </a:r>
+            <a:r>
+              <a:rPr lang="ru-RU" sz="1600" dirty="0"/>
+              <a:t>класса</a:t>
+            </a:r>
+            <a:endParaRPr lang="en-US" sz="1600" dirty="0"/>
           </a:p>
           <a:p>
             <a:endParaRPr lang="ru-RU" dirty="0"/>
@@ -46745,10 +47225,10 @@
       </p:sp>
       <p:sp>
         <p:nvSpPr>
-          <p:cNvPr id="4" name="Text Placeholder 3">
+          <p:cNvPr id="18" name="Text Placeholder 17">
             <a:extLst>
               <a:ext uri="{FF2B5EF4-FFF2-40B4-BE49-F238E27FC236}">
-                <a16:creationId xmlns:a16="http://schemas.microsoft.com/office/drawing/2014/main" id="{C1415B9C-F1E5-4527-8E31-A05A94960E8D}"/>
+                <a16:creationId xmlns:a16="http://schemas.microsoft.com/office/drawing/2014/main" id="{B1D93AAC-225C-4AF1-9AEB-892F220B709C}"/>
               </a:ext>
             </a:extLst>
           </p:cNvPr>
@@ -46770,10 +47250,10 @@
       </p:sp>
       <p:sp>
         <p:nvSpPr>
-          <p:cNvPr id="5" name="Subtitle 4">
+          <p:cNvPr id="17" name="Subtitle 16">
             <a:extLst>
               <a:ext uri="{FF2B5EF4-FFF2-40B4-BE49-F238E27FC236}">
-                <a16:creationId xmlns:a16="http://schemas.microsoft.com/office/drawing/2014/main" id="{FAC53899-FD81-4487-9CE1-E4875B2DD29F}"/>
+                <a16:creationId xmlns:a16="http://schemas.microsoft.com/office/drawing/2014/main" id="{65FDF564-3F1E-4327-B369-91360793CD91}"/>
               </a:ext>
             </a:extLst>
           </p:cNvPr>
@@ -46795,10 +47275,10 @@
       </p:sp>
       <p:sp>
         <p:nvSpPr>
-          <p:cNvPr id="6" name="Text Placeholder 5">
+          <p:cNvPr id="20" name="Text Placeholder 19">
             <a:extLst>
               <a:ext uri="{FF2B5EF4-FFF2-40B4-BE49-F238E27FC236}">
-                <a16:creationId xmlns:a16="http://schemas.microsoft.com/office/drawing/2014/main" id="{40D3A3B1-C8D5-408C-85BA-A0565B14D07C}"/>
+                <a16:creationId xmlns:a16="http://schemas.microsoft.com/office/drawing/2014/main" id="{6A073D86-3246-455F-9711-46014C16325B}"/>
               </a:ext>
             </a:extLst>
           </p:cNvPr>
@@ -46806,7 +47286,7 @@
             <a:spLocks noGrp="1"/>
           </p:cNvSpPr>
           <p:nvPr>
-            <p:ph type="body" sz="quarter" idx="15"/>
+            <p:ph type="body" sz="quarter" idx="16"/>
           </p:nvPr>
         </p:nvSpPr>
         <p:spPr/>
@@ -46820,10 +47300,10 @@
       </p:sp>
       <p:pic>
         <p:nvPicPr>
-          <p:cNvPr id="8" name="Picture 7">
+          <p:cNvPr id="13" name="Picture 12">
             <a:extLst>
               <a:ext uri="{FF2B5EF4-FFF2-40B4-BE49-F238E27FC236}">
-                <a16:creationId xmlns:a16="http://schemas.microsoft.com/office/drawing/2014/main" id="{34CA35B4-F6AB-4DE9-BDE3-E86C6490B1B5}"/>
+                <a16:creationId xmlns:a16="http://schemas.microsoft.com/office/drawing/2014/main" id="{236FF649-1D74-4E65-89DA-85DD81FE55F5}"/>
               </a:ext>
             </a:extLst>
           </p:cNvPr>
@@ -46833,7 +47313,7 @@
           <p:nvPr/>
         </p:nvPicPr>
         <p:blipFill>
-          <a:blip r:embed="rId2">
+          <a:blip r:embed="rId2" cstate="screen">
             <a:extLst>
               <a:ext uri="{28A0092B-C50C-407E-A947-70E740481C1C}">
                 <a14:useLocalDpi xmlns:a14="http://schemas.microsoft.com/office/drawing/2010/main" val="0"/>
@@ -46846,8 +47326,74 @@
         </p:blipFill>
         <p:spPr>
           <a:xfrm>
-            <a:off x="4780390" y="2050597"/>
-            <a:ext cx="3248478" cy="1219370"/>
+            <a:off x="751703" y="3687268"/>
+            <a:ext cx="485903" cy="485903"/>
+          </a:xfrm>
+          <a:prstGeom prst="rect">
+            <a:avLst/>
+          </a:prstGeom>
+        </p:spPr>
+      </p:pic>
+      <p:pic>
+        <p:nvPicPr>
+          <p:cNvPr id="15" name="Picture 14">
+            <a:extLst>
+              <a:ext uri="{FF2B5EF4-FFF2-40B4-BE49-F238E27FC236}">
+                <a16:creationId xmlns:a16="http://schemas.microsoft.com/office/drawing/2014/main" id="{CB86A9CD-9858-4843-A66F-ED7398FDC6CE}"/>
+              </a:ext>
+            </a:extLst>
+          </p:cNvPr>
+          <p:cNvPicPr>
+            <a:picLocks noChangeAspect="1"/>
+          </p:cNvPicPr>
+          <p:nvPr/>
+        </p:nvPicPr>
+        <p:blipFill>
+          <a:blip r:embed="rId3" cstate="screen">
+            <a:extLst>
+              <a:ext uri="{28A0092B-C50C-407E-A947-70E740481C1C}">
+                <a14:useLocalDpi xmlns:a14="http://schemas.microsoft.com/office/drawing/2010/main" val="0"/>
+              </a:ext>
+            </a:extLst>
+          </a:blip>
+          <a:stretch>
+            <a:fillRect/>
+          </a:stretch>
+        </p:blipFill>
+        <p:spPr>
+          <a:xfrm>
+            <a:off x="751703" y="1570547"/>
+            <a:ext cx="485903" cy="485903"/>
+          </a:xfrm>
+          <a:prstGeom prst="rect">
+            <a:avLst/>
+          </a:prstGeom>
+        </p:spPr>
+      </p:pic>
+      <p:pic>
+        <p:nvPicPr>
+          <p:cNvPr id="16" name="Picture 15">
+            <a:extLst>
+              <a:ext uri="{FF2B5EF4-FFF2-40B4-BE49-F238E27FC236}">
+                <a16:creationId xmlns:a16="http://schemas.microsoft.com/office/drawing/2014/main" id="{25CBEE1B-4981-4EBB-AF97-6135C204F669}"/>
+              </a:ext>
+            </a:extLst>
+          </p:cNvPr>
+          <p:cNvPicPr>
+            <a:picLocks noChangeAspect="1"/>
+          </p:cNvPicPr>
+          <p:nvPr/>
+        </p:nvPicPr>
+        <p:blipFill>
+          <a:blip r:embed="rId4"/>
+          <a:stretch>
+            <a:fillRect/>
+          </a:stretch>
+        </p:blipFill>
+        <p:spPr>
+          <a:xfrm>
+            <a:off x="6156229" y="2195512"/>
+            <a:ext cx="4000500" cy="2466975"/>
           </a:xfrm>
           <a:prstGeom prst="rect">
             <a:avLst/>
@@ -46858,86 +47404,7 @@
                 <a:alpha val="40000"/>
               </a:prstClr>
             </a:outerShdw>
-            <a:softEdge rad="0"/>
           </a:effectLst>
-        </p:spPr>
-      </p:pic>
-      <p:pic>
-        <p:nvPicPr>
-          <p:cNvPr id="9" name="Graphic 8" descr="Crying face with no fill">
-            <a:extLst>
-              <a:ext uri="{FF2B5EF4-FFF2-40B4-BE49-F238E27FC236}">
-                <a16:creationId xmlns:a16="http://schemas.microsoft.com/office/drawing/2014/main" id="{CAA8968C-A929-4FA7-A60E-2A0347761848}"/>
-              </a:ext>
-            </a:extLst>
-          </p:cNvPr>
-          <p:cNvPicPr>
-            <a:picLocks noChangeAspect="1"/>
-          </p:cNvPicPr>
-          <p:nvPr/>
-        </p:nvPicPr>
-        <p:blipFill>
-          <a:blip r:embed="rId3" cstate="screen">
-            <a:extLst>
-              <a:ext uri="{28A0092B-C50C-407E-A947-70E740481C1C}">
-                <a14:useLocalDpi xmlns:a14="http://schemas.microsoft.com/office/drawing/2010/main" val="0"/>
-              </a:ext>
-              <a:ext uri="{96DAC541-7B7A-43D3-8B79-37D633B846F1}">
-                <asvg:svgBlip xmlns:asvg="http://schemas.microsoft.com/office/drawing/2016/SVG/main" r:embed="rId4"/>
-              </a:ext>
-            </a:extLst>
-          </a:blip>
-          <a:stretch>
-            <a:fillRect/>
-          </a:stretch>
-        </p:blipFill>
-        <p:spPr>
-          <a:xfrm>
-            <a:off x="751703" y="3269967"/>
-            <a:ext cx="474452" cy="474452"/>
-          </a:xfrm>
-          <a:prstGeom prst="rect">
-            <a:avLst/>
-          </a:prstGeom>
-        </p:spPr>
-      </p:pic>
-      <p:pic>
-        <p:nvPicPr>
-          <p:cNvPr id="11" name="Graphic 10" descr="Angel face with no fill">
-            <a:extLst>
-              <a:ext uri="{FF2B5EF4-FFF2-40B4-BE49-F238E27FC236}">
-                <a16:creationId xmlns:a16="http://schemas.microsoft.com/office/drawing/2014/main" id="{52778772-1C2C-48BD-B88A-F9CD99A41D8A}"/>
-              </a:ext>
-            </a:extLst>
-          </p:cNvPr>
-          <p:cNvPicPr>
-            <a:picLocks noChangeAspect="1"/>
-          </p:cNvPicPr>
-          <p:nvPr/>
-        </p:nvPicPr>
-        <p:blipFill>
-          <a:blip r:embed="rId5" cstate="screen">
-            <a:extLst>
-              <a:ext uri="{28A0092B-C50C-407E-A947-70E740481C1C}">
-                <a14:useLocalDpi xmlns:a14="http://schemas.microsoft.com/office/drawing/2010/main" val="0"/>
-              </a:ext>
-              <a:ext uri="{96DAC541-7B7A-43D3-8B79-37D633B846F1}">
-                <asvg:svgBlip xmlns:asvg="http://schemas.microsoft.com/office/drawing/2016/SVG/main" r:embed="rId6"/>
-              </a:ext>
-            </a:extLst>
-          </a:blip>
-          <a:stretch>
-            <a:fillRect/>
-          </a:stretch>
-        </p:blipFill>
-        <p:spPr>
-          <a:xfrm>
-            <a:off x="765260" y="1740544"/>
-            <a:ext cx="480717" cy="480717"/>
-          </a:xfrm>
-          <a:prstGeom prst="rect">
-            <a:avLst/>
-          </a:prstGeom>
         </p:spPr>
       </p:pic>
     </p:spTree>
@@ -47429,102 +47896,126 @@
           <a:bodyPr/>
           <a:lstStyle/>
           <a:p>
-            <a:r>
-              <a:rPr lang="en-US" dirty="0"/>
-              <a:t>Declaration site variance</a:t>
-            </a:r>
-          </a:p>
-          <a:p>
-            <a:r>
-              <a:rPr lang="en-US" dirty="0"/>
-              <a:t>Use-site variance</a:t>
-            </a:r>
-            <a:r>
-              <a:rPr lang="ru-RU" dirty="0"/>
-              <a:t>. Проекция типов</a:t>
-            </a:r>
-            <a:endParaRPr lang="en-US" dirty="0"/>
-          </a:p>
-          <a:p>
-            <a:r>
-              <a:rPr lang="en-US" dirty="0"/>
-              <a:t>Type erasure</a:t>
-            </a:r>
-            <a:r>
-              <a:rPr lang="ru-RU" dirty="0"/>
-              <a:t> –</a:t>
-            </a:r>
-            <a:r>
-              <a:rPr lang="en-US" dirty="0"/>
-              <a:t>&gt; Reified</a:t>
-            </a:r>
-            <a:endParaRPr lang="ru-RU" dirty="0"/>
-          </a:p>
-          <a:p>
             <a:pPr marL="0" indent="0">
               <a:buNone/>
             </a:pPr>
-            <a:r>
-              <a:rPr lang="ru-RU" dirty="0"/>
-              <a:t>Задуматься</a:t>
-            </a:r>
-          </a:p>
-          <a:p>
-            <a:r>
-              <a:rPr lang="en-US" dirty="0"/>
+            <a:endParaRPr lang="en-US" sz="1600" dirty="0"/>
+          </a:p>
+          <a:p>
+            <a:r>
+              <a:rPr lang="en-US" sz="1600" dirty="0"/>
+              <a:t>Declaration site variance</a:t>
+            </a:r>
+          </a:p>
+          <a:p>
+            <a:r>
+              <a:rPr lang="en-US" sz="1600" dirty="0"/>
+              <a:t>Use-site variance</a:t>
+            </a:r>
+            <a:r>
+              <a:rPr lang="ru-RU" sz="1600" dirty="0"/>
+              <a:t>. Проекция типов</a:t>
+            </a:r>
+            <a:endParaRPr lang="en-US" sz="1600" dirty="0"/>
+          </a:p>
+          <a:p>
+            <a:r>
+              <a:rPr lang="en-US" sz="1600" dirty="0"/>
+              <a:t>Type erasure</a:t>
+            </a:r>
+            <a:r>
+              <a:rPr lang="ru-RU" sz="1600" dirty="0"/>
+              <a:t> –</a:t>
+            </a:r>
+            <a:r>
+              <a:rPr lang="en-US" sz="1600" dirty="0"/>
+              <a:t>&gt; Reified</a:t>
+            </a:r>
+            <a:endParaRPr lang="ru-RU" sz="1600" dirty="0"/>
+          </a:p>
+          <a:p>
+            <a:pPr marL="0" indent="0">
+              <a:buNone/>
+            </a:pPr>
+            <a:endParaRPr lang="en-US" sz="1600" dirty="0"/>
+          </a:p>
+          <a:p>
+            <a:pPr marL="0" indent="0">
+              <a:buNone/>
+            </a:pPr>
+            <a:endParaRPr lang="en-US" sz="1600" dirty="0"/>
+          </a:p>
+          <a:p>
+            <a:pPr marL="0" indent="0">
+              <a:buNone/>
+            </a:pPr>
+            <a:endParaRPr lang="en-US" sz="1600" dirty="0"/>
+          </a:p>
+          <a:p>
+            <a:pPr marL="0" indent="0">
+              <a:buNone/>
+            </a:pPr>
+            <a:endParaRPr lang="en-US" sz="1600" dirty="0"/>
+          </a:p>
+          <a:p>
+            <a:endParaRPr lang="en-US" sz="1600" dirty="0"/>
+          </a:p>
+          <a:p>
+            <a:r>
+              <a:rPr lang="en-US" sz="1600" dirty="0"/>
               <a:t>Generics – T = T:</a:t>
             </a:r>
             <a:r>
-              <a:rPr lang="ru-RU" dirty="0"/>
+              <a:rPr lang="ru-RU" sz="1600" dirty="0"/>
               <a:t> </a:t>
             </a:r>
             <a:r>
-              <a:rPr lang="en-US" dirty="0"/>
+              <a:rPr lang="en-US" sz="1600" dirty="0"/>
               <a:t>Any?</a:t>
             </a:r>
             <a:r>
-              <a:rPr lang="ru-RU" dirty="0"/>
+              <a:rPr lang="ru-RU" sz="1600" dirty="0"/>
               <a:t> </a:t>
             </a:r>
             <a:r>
-              <a:rPr lang="en-US" dirty="0"/>
+              <a:rPr lang="en-US" sz="1600" dirty="0"/>
               <a:t>TODO </a:t>
             </a:r>
             <a:r>
-              <a:rPr lang="ru-RU" dirty="0"/>
+              <a:rPr lang="ru-RU" sz="1600" dirty="0"/>
               <a:t>подробнее</a:t>
             </a:r>
           </a:p>
           <a:p>
             <a:r>
-              <a:rPr lang="en-US" dirty="0"/>
+              <a:rPr lang="en-US" sz="1600" dirty="0"/>
               <a:t>Null-safety </a:t>
             </a:r>
             <a:r>
-              <a:rPr lang="ru-RU" dirty="0"/>
+              <a:rPr lang="ru-RU" sz="1600" dirty="0"/>
               <a:t>осложняет работу с </a:t>
             </a:r>
             <a:r>
-              <a:rPr lang="en-US" dirty="0"/>
+              <a:rPr lang="en-US" sz="1600" dirty="0"/>
               <a:t>Generics </a:t>
             </a:r>
             <a:r>
-              <a:rPr lang="ru-RU" dirty="0"/>
+              <a:rPr lang="ru-RU" sz="1600" dirty="0"/>
               <a:t>особенно при </a:t>
             </a:r>
             <a:r>
-              <a:rPr lang="en-US" dirty="0"/>
+              <a:rPr lang="en-US" sz="1600" dirty="0"/>
               <a:t>interop </a:t>
             </a:r>
             <a:r>
-              <a:rPr lang="ru-RU" dirty="0"/>
+              <a:rPr lang="ru-RU" sz="1600" dirty="0"/>
               <a:t>с </a:t>
             </a:r>
             <a:r>
-              <a:rPr lang="en-US" dirty="0"/>
+              <a:rPr lang="en-US" sz="1600" dirty="0"/>
               <a:t>Java </a:t>
             </a:r>
-            <a:endParaRPr lang="ru-RU" dirty="0"/>
+            <a:endParaRPr lang="ru-RU" sz="1600" dirty="0"/>
           </a:p>
           <a:p>
             <a:endParaRPr lang="en-US" dirty="0"/>
@@ -47608,10 +48099,142 @@
           <a:bodyPr/>
           <a:lstStyle/>
           <a:p>
-            <a:endParaRPr lang="ru-RU"/>
+            <a:endParaRPr lang="ru-RU" dirty="0"/>
           </a:p>
         </p:txBody>
       </p:sp>
+      <p:pic>
+        <p:nvPicPr>
+          <p:cNvPr id="7" name="Picture 6">
+            <a:extLst>
+              <a:ext uri="{FF2B5EF4-FFF2-40B4-BE49-F238E27FC236}">
+                <a16:creationId xmlns:a16="http://schemas.microsoft.com/office/drawing/2014/main" id="{26020527-DDAA-4640-92B9-3395F285833D}"/>
+              </a:ext>
+            </a:extLst>
+          </p:cNvPr>
+          <p:cNvPicPr>
+            <a:picLocks noChangeAspect="1"/>
+          </p:cNvPicPr>
+          <p:nvPr/>
+        </p:nvPicPr>
+        <p:blipFill>
+          <a:blip r:embed="rId2" cstate="screen">
+            <a:extLst>
+              <a:ext uri="{28A0092B-C50C-407E-A947-70E740481C1C}">
+                <a14:useLocalDpi xmlns:a14="http://schemas.microsoft.com/office/drawing/2010/main" val="0"/>
+              </a:ext>
+            </a:extLst>
+          </a:blip>
+          <a:stretch>
+            <a:fillRect/>
+          </a:stretch>
+        </p:blipFill>
+        <p:spPr>
+          <a:xfrm>
+            <a:off x="846952" y="4500397"/>
+            <a:ext cx="485903" cy="485903"/>
+          </a:xfrm>
+          <a:prstGeom prst="rect">
+            <a:avLst/>
+          </a:prstGeom>
+        </p:spPr>
+      </p:pic>
+      <p:pic>
+        <p:nvPicPr>
+          <p:cNvPr id="8" name="Picture 7">
+            <a:extLst>
+              <a:ext uri="{FF2B5EF4-FFF2-40B4-BE49-F238E27FC236}">
+                <a16:creationId xmlns:a16="http://schemas.microsoft.com/office/drawing/2014/main" id="{1935861C-0DAF-459D-8C3C-260B5CE1FB4B}"/>
+              </a:ext>
+            </a:extLst>
+          </p:cNvPr>
+          <p:cNvPicPr>
+            <a:picLocks noChangeAspect="1"/>
+          </p:cNvPicPr>
+          <p:nvPr/>
+        </p:nvPicPr>
+        <p:blipFill>
+          <a:blip r:embed="rId3" cstate="screen">
+            <a:extLst>
+              <a:ext uri="{28A0092B-C50C-407E-A947-70E740481C1C}">
+                <a14:useLocalDpi xmlns:a14="http://schemas.microsoft.com/office/drawing/2010/main" val="0"/>
+              </a:ext>
+            </a:extLst>
+          </a:blip>
+          <a:stretch>
+            <a:fillRect/>
+          </a:stretch>
+        </p:blipFill>
+        <p:spPr>
+          <a:xfrm>
+            <a:off x="846953" y="1409060"/>
+            <a:ext cx="485903" cy="485903"/>
+          </a:xfrm>
+          <a:prstGeom prst="rect">
+            <a:avLst/>
+          </a:prstGeom>
+        </p:spPr>
+      </p:pic>
+      <p:pic>
+        <p:nvPicPr>
+          <p:cNvPr id="9" name="Picture 8">
+            <a:extLst>
+              <a:ext uri="{FF2B5EF4-FFF2-40B4-BE49-F238E27FC236}">
+                <a16:creationId xmlns:a16="http://schemas.microsoft.com/office/drawing/2014/main" id="{99CC8E4A-0D31-470C-BDAF-35A1BB452817}"/>
+              </a:ext>
+            </a:extLst>
+          </p:cNvPr>
+          <p:cNvPicPr>
+            <a:picLocks noChangeAspect="1"/>
+          </p:cNvPicPr>
+          <p:nvPr/>
+        </p:nvPicPr>
+        <p:blipFill>
+          <a:blip r:embed="rId4"/>
+          <a:stretch>
+            <a:fillRect/>
+          </a:stretch>
+        </p:blipFill>
+        <p:spPr>
+          <a:xfrm>
+            <a:off x="6935672" y="1901225"/>
+            <a:ext cx="4667250" cy="3438525"/>
+          </a:xfrm>
+          <a:prstGeom prst="rect">
+            <a:avLst/>
+          </a:prstGeom>
+        </p:spPr>
+      </p:pic>
+      <p:pic>
+        <p:nvPicPr>
+          <p:cNvPr id="10" name="Picture 9">
+            <a:extLst>
+              <a:ext uri="{FF2B5EF4-FFF2-40B4-BE49-F238E27FC236}">
+                <a16:creationId xmlns:a16="http://schemas.microsoft.com/office/drawing/2014/main" id="{0FD8FAA9-62B3-4681-8C1D-18D4ED4B7DE6}"/>
+              </a:ext>
+            </a:extLst>
+          </p:cNvPr>
+          <p:cNvPicPr>
+            <a:picLocks noChangeAspect="1"/>
+          </p:cNvPicPr>
+          <p:nvPr/>
+        </p:nvPicPr>
+        <p:blipFill>
+          <a:blip r:embed="rId5"/>
+          <a:stretch>
+            <a:fillRect/>
+          </a:stretch>
+        </p:blipFill>
+        <p:spPr>
+          <a:xfrm>
+            <a:off x="2403474" y="3157537"/>
+            <a:ext cx="4314825" cy="1666875"/>
+          </a:xfrm>
+          <a:prstGeom prst="rect">
+            <a:avLst/>
+          </a:prstGeom>
+        </p:spPr>
+      </p:pic>
     </p:spTree>
     <p:extLst>
       <p:ext uri="{BB962C8B-B14F-4D97-AF65-F5344CB8AC3E}">
@@ -48034,18 +48657,27 @@
           <a:bodyPr/>
           <a:lstStyle/>
           <a:p>
+            <a:endParaRPr lang="en-US" sz="1600" dirty="0"/>
+          </a:p>
+          <a:p>
             <a:r>
               <a:rPr lang="ru-RU" sz="1600" dirty="0"/>
               <a:t>Нет концепции генерируемых </a:t>
             </a:r>
             <a:r>
-              <a:rPr lang="ru-RU" sz="1600" dirty="0" err="1"/>
-              <a:t>билдеров</a:t>
+              <a:rPr lang="en-US" sz="1600" dirty="0"/>
+              <a:t>builder</a:t>
             </a:r>
             <a:r>
               <a:rPr lang="ru-RU" sz="1600" dirty="0"/>
               <a:t>…</a:t>
             </a:r>
+          </a:p>
+          <a:p>
+            <a:endParaRPr lang="en-US" sz="1600" dirty="0"/>
+          </a:p>
+          <a:p>
+            <a:endParaRPr lang="en-US" sz="1600" dirty="0"/>
           </a:p>
           <a:p>
             <a:r>
@@ -48137,10 +48769,10 @@
       </p:sp>
       <p:pic>
         <p:nvPicPr>
-          <p:cNvPr id="8" name="Graphic 7" descr="Crying face with no fill">
+          <p:cNvPr id="11" name="Picture 10">
             <a:extLst>
               <a:ext uri="{FF2B5EF4-FFF2-40B4-BE49-F238E27FC236}">
-                <a16:creationId xmlns:a16="http://schemas.microsoft.com/office/drawing/2014/main" id="{60B097D6-3432-4EEE-BDE9-6E76C14557A3}"/>
+                <a16:creationId xmlns:a16="http://schemas.microsoft.com/office/drawing/2014/main" id="{DC438600-E9C0-479D-9334-3133EC353434}"/>
               </a:ext>
             </a:extLst>
           </p:cNvPr>
@@ -48150,92 +48782,14 @@
           <p:nvPr/>
         </p:nvPicPr>
         <p:blipFill>
-          <a:blip r:embed="rId2" cstate="screen">
-            <a:extLst>
-              <a:ext uri="{28A0092B-C50C-407E-A947-70E740481C1C}">
-                <a14:useLocalDpi xmlns:a14="http://schemas.microsoft.com/office/drawing/2010/main" val="0"/>
-              </a:ext>
-              <a:ext uri="{96DAC541-7B7A-43D3-8B79-37D633B846F1}">
-                <asvg:svgBlip xmlns:asvg="http://schemas.microsoft.com/office/drawing/2016/SVG/main" r:embed="rId3"/>
-              </a:ext>
-            </a:extLst>
-          </a:blip>
+          <a:blip r:embed="rId2"/>
           <a:stretch>
             <a:fillRect/>
           </a:stretch>
         </p:blipFill>
         <p:spPr>
           <a:xfrm>
-            <a:off x="4819650" y="1452263"/>
-            <a:ext cx="474452" cy="474452"/>
-          </a:xfrm>
-          <a:prstGeom prst="rect">
-            <a:avLst/>
-          </a:prstGeom>
-        </p:spPr>
-      </p:pic>
-      <p:pic>
-        <p:nvPicPr>
-          <p:cNvPr id="10" name="Graphic 9" descr="Nervous face with no fill">
-            <a:extLst>
-              <a:ext uri="{FF2B5EF4-FFF2-40B4-BE49-F238E27FC236}">
-                <a16:creationId xmlns:a16="http://schemas.microsoft.com/office/drawing/2014/main" id="{6B5D79D0-C1BD-42EE-AA2F-FA6EAAC29F18}"/>
-              </a:ext>
-            </a:extLst>
-          </p:cNvPr>
-          <p:cNvPicPr>
-            <a:picLocks noChangeAspect="1"/>
-          </p:cNvPicPr>
-          <p:nvPr/>
-        </p:nvPicPr>
-        <p:blipFill>
-          <a:blip r:embed="rId4" cstate="screen">
-            <a:extLst>
-              <a:ext uri="{28A0092B-C50C-407E-A947-70E740481C1C}">
-                <a14:useLocalDpi xmlns:a14="http://schemas.microsoft.com/office/drawing/2010/main" val="0"/>
-              </a:ext>
-              <a:ext uri="{96DAC541-7B7A-43D3-8B79-37D633B846F1}">
-                <asvg:svgBlip xmlns:asvg="http://schemas.microsoft.com/office/drawing/2016/SVG/main" r:embed="rId5"/>
-              </a:ext>
-            </a:extLst>
-          </a:blip>
-          <a:stretch>
-            <a:fillRect/>
-          </a:stretch>
-        </p:blipFill>
-        <p:spPr>
-          <a:xfrm>
-            <a:off x="4278523" y="1926715"/>
-            <a:ext cx="474452" cy="474452"/>
-          </a:xfrm>
-          <a:prstGeom prst="rect">
-            <a:avLst/>
-          </a:prstGeom>
-        </p:spPr>
-      </p:pic>
-      <p:pic>
-        <p:nvPicPr>
-          <p:cNvPr id="11" name="Picture 10">
-            <a:extLst>
-              <a:ext uri="{FF2B5EF4-FFF2-40B4-BE49-F238E27FC236}">
-                <a16:creationId xmlns:a16="http://schemas.microsoft.com/office/drawing/2014/main" id="{DC438600-E9C0-479D-9334-3133EC353434}"/>
-              </a:ext>
-            </a:extLst>
-          </p:cNvPr>
-          <p:cNvPicPr>
-            <a:picLocks noChangeAspect="1"/>
-          </p:cNvPicPr>
-          <p:nvPr/>
-        </p:nvPicPr>
-        <p:blipFill>
-          <a:blip r:embed="rId6"/>
-          <a:stretch>
-            <a:fillRect/>
-          </a:stretch>
-        </p:blipFill>
-        <p:spPr>
-          <a:xfrm>
-            <a:off x="781050" y="2401167"/>
+            <a:off x="6223129" y="1520225"/>
             <a:ext cx="3971925" cy="3819525"/>
           </a:xfrm>
           <a:prstGeom prst="rect">
@@ -48265,14 +48819,14 @@
           <p:nvPr/>
         </p:nvPicPr>
         <p:blipFill>
-          <a:blip r:embed="rId7"/>
+          <a:blip r:embed="rId3"/>
           <a:stretch>
             <a:fillRect/>
           </a:stretch>
         </p:blipFill>
         <p:spPr>
           <a:xfrm>
-            <a:off x="5124452" y="2401167"/>
+            <a:off x="790575" y="3816187"/>
             <a:ext cx="3676650" cy="1438275"/>
           </a:xfrm>
           <a:prstGeom prst="rect">
@@ -48285,6 +48839,78 @@
               </a:prstClr>
             </a:outerShdw>
           </a:effectLst>
+        </p:spPr>
+      </p:pic>
+      <p:pic>
+        <p:nvPicPr>
+          <p:cNvPr id="13" name="Picture 12">
+            <a:extLst>
+              <a:ext uri="{FF2B5EF4-FFF2-40B4-BE49-F238E27FC236}">
+                <a16:creationId xmlns:a16="http://schemas.microsoft.com/office/drawing/2014/main" id="{57DD2ADF-0D69-4A2A-B77F-D5A12663ADAD}"/>
+              </a:ext>
+            </a:extLst>
+          </p:cNvPr>
+          <p:cNvPicPr>
+            <a:picLocks noChangeAspect="1"/>
+          </p:cNvPicPr>
+          <p:nvPr/>
+        </p:nvPicPr>
+        <p:blipFill>
+          <a:blip r:embed="rId4" cstate="screen">
+            <a:extLst>
+              <a:ext uri="{28A0092B-C50C-407E-A947-70E740481C1C}">
+                <a14:useLocalDpi xmlns:a14="http://schemas.microsoft.com/office/drawing/2010/main" val="0"/>
+              </a:ext>
+            </a:extLst>
+          </a:blip>
+          <a:stretch>
+            <a:fillRect/>
+          </a:stretch>
+        </p:blipFill>
+        <p:spPr>
+          <a:xfrm>
+            <a:off x="790575" y="2614159"/>
+            <a:ext cx="485902" cy="485902"/>
+          </a:xfrm>
+          <a:prstGeom prst="rect">
+            <a:avLst/>
+          </a:prstGeom>
+        </p:spPr>
+      </p:pic>
+      <p:pic>
+        <p:nvPicPr>
+          <p:cNvPr id="14" name="Picture 13">
+            <a:extLst>
+              <a:ext uri="{FF2B5EF4-FFF2-40B4-BE49-F238E27FC236}">
+                <a16:creationId xmlns:a16="http://schemas.microsoft.com/office/drawing/2014/main" id="{6CEAF40B-378E-4E29-A05D-A457FF91581C}"/>
+              </a:ext>
+            </a:extLst>
+          </p:cNvPr>
+          <p:cNvPicPr>
+            <a:picLocks noChangeAspect="1"/>
+          </p:cNvPicPr>
+          <p:nvPr/>
+        </p:nvPicPr>
+        <p:blipFill>
+          <a:blip r:embed="rId5" cstate="screen">
+            <a:extLst>
+              <a:ext uri="{28A0092B-C50C-407E-A947-70E740481C1C}">
+                <a14:useLocalDpi xmlns:a14="http://schemas.microsoft.com/office/drawing/2010/main" val="0"/>
+              </a:ext>
+            </a:extLst>
+          </a:blip>
+          <a:stretch>
+            <a:fillRect/>
+          </a:stretch>
+        </p:blipFill>
+        <p:spPr>
+          <a:xfrm>
+            <a:off x="790575" y="1426312"/>
+            <a:ext cx="485903" cy="485903"/>
+          </a:xfrm>
+          <a:prstGeom prst="rect">
+            <a:avLst/>
+          </a:prstGeom>
         </p:spPr>
       </p:pic>
     </p:spTree>
@@ -48340,7 +48966,7 @@
           <a:p>
             <a:r>
               <a:rPr lang="en-US" dirty="0"/>
-              <a:t>DSL</a:t>
+              <a:t>Type-safe DSL</a:t>
             </a:r>
             <a:endParaRPr lang="ru-RU" dirty="0"/>
           </a:p>
@@ -48362,40 +48988,72 @@
             <p:ph type="body" sz="quarter" idx="11"/>
           </p:nvPr>
         </p:nvSpPr>
-        <p:spPr/>
+        <p:spPr>
+          <a:xfrm>
+            <a:off x="492126" y="1518250"/>
+            <a:ext cx="4775200" cy="4452338"/>
+          </a:xfrm>
+        </p:spPr>
         <p:txBody>
           <a:bodyPr/>
           <a:lstStyle/>
           <a:p>
-            <a:r>
-              <a:rPr lang="ru-RU" dirty="0"/>
+            <a:endParaRPr lang="ru-RU" sz="1800" dirty="0"/>
+          </a:p>
+          <a:p>
+            <a:r>
+              <a:rPr lang="en-US" sz="1800" dirty="0"/>
+              <a:t>Extension </a:t>
+            </a:r>
+            <a:r>
+              <a:rPr lang="ru-RU" sz="1800" dirty="0"/>
+              <a:t>функции</a:t>
+            </a:r>
+            <a:endParaRPr lang="en-US" sz="1800" dirty="0"/>
+          </a:p>
+          <a:p>
+            <a:r>
+              <a:rPr lang="ru-RU" sz="1800" dirty="0"/>
               <a:t>Лямбды с получателями</a:t>
             </a:r>
           </a:p>
           <a:p>
             <a:r>
-              <a:rPr lang="en-US" dirty="0"/>
+              <a:rPr lang="en-US" sz="1800" dirty="0"/>
               <a:t>Infix </a:t>
             </a:r>
             <a:r>
-              <a:rPr lang="ru-RU" dirty="0"/>
+              <a:rPr lang="ru-RU" sz="1800" dirty="0"/>
               <a:t>функции</a:t>
             </a:r>
           </a:p>
           <a:p>
             <a:r>
-              <a:rPr lang="ru-RU" dirty="0"/>
+              <a:rPr lang="ru-RU" sz="1800" dirty="0"/>
+              <a:t>Вынесение последней лямбды за скобки</a:t>
+            </a:r>
+          </a:p>
+          <a:p>
+            <a:r>
+              <a:rPr lang="ru-RU" sz="1800" dirty="0"/>
               <a:t>Перегрузка операторов</a:t>
+            </a:r>
+            <a:endParaRPr lang="en-US" sz="1800" dirty="0"/>
+          </a:p>
+          <a:p>
+            <a:r>
+              <a:rPr lang="ru-RU" sz="1800" dirty="0"/>
+              <a:t>И другие конструкции языка</a:t>
             </a:r>
           </a:p>
         </p:txBody>
       </p:sp>
       <p:sp>
         <p:nvSpPr>
-          <p:cNvPr id="4" name="Text Placeholder 3">
+          <p:cNvPr id="13" name="Text Placeholder 12">
             <a:extLst>
               <a:ext uri="{FF2B5EF4-FFF2-40B4-BE49-F238E27FC236}">
-                <a16:creationId xmlns:a16="http://schemas.microsoft.com/office/drawing/2014/main" id="{FCA02552-1B42-459B-AFE4-DF3A9C3FE5FF}"/>
+                <a16:creationId xmlns:a16="http://schemas.microsoft.com/office/drawing/2014/main" id="{D49F86E6-EC72-40A9-A3EB-99E2CADC5971}"/>
               </a:ext>
             </a:extLst>
           </p:cNvPr>
@@ -48417,10 +49075,10 @@
       </p:sp>
       <p:sp>
         <p:nvSpPr>
-          <p:cNvPr id="5" name="Subtitle 4">
+          <p:cNvPr id="12" name="Subtitle 11">
             <a:extLst>
               <a:ext uri="{FF2B5EF4-FFF2-40B4-BE49-F238E27FC236}">
-                <a16:creationId xmlns:a16="http://schemas.microsoft.com/office/drawing/2014/main" id="{47C3CD1A-1C7A-4EB2-9327-9670A52AC56B}"/>
+                <a16:creationId xmlns:a16="http://schemas.microsoft.com/office/drawing/2014/main" id="{465994EA-4D58-4437-B252-0EF1204258E4}"/>
               </a:ext>
             </a:extLst>
           </p:cNvPr>
@@ -48442,10 +49100,10 @@
       </p:sp>
       <p:sp>
         <p:nvSpPr>
-          <p:cNvPr id="6" name="Text Placeholder 5">
+          <p:cNvPr id="15" name="Text Placeholder 14">
             <a:extLst>
               <a:ext uri="{FF2B5EF4-FFF2-40B4-BE49-F238E27FC236}">
-                <a16:creationId xmlns:a16="http://schemas.microsoft.com/office/drawing/2014/main" id="{269524D7-F240-4362-872B-E0F569FB0EAD}"/>
+                <a16:creationId xmlns:a16="http://schemas.microsoft.com/office/drawing/2014/main" id="{C4E51489-CC8B-424D-99C1-726A3C07794E}"/>
               </a:ext>
             </a:extLst>
           </p:cNvPr>
@@ -48453,7 +49111,7 @@
             <a:spLocks noGrp="1"/>
           </p:cNvSpPr>
           <p:nvPr>
-            <p:ph type="body" sz="quarter" idx="15"/>
+            <p:ph type="body" sz="quarter" idx="16"/>
           </p:nvPr>
         </p:nvSpPr>
         <p:spPr/>
@@ -48465,6 +49123,190 @@
           </a:p>
         </p:txBody>
       </p:sp>
+      <p:pic>
+        <p:nvPicPr>
+          <p:cNvPr id="7" name="Picture 6">
+            <a:extLst>
+              <a:ext uri="{FF2B5EF4-FFF2-40B4-BE49-F238E27FC236}">
+                <a16:creationId xmlns:a16="http://schemas.microsoft.com/office/drawing/2014/main" id="{846698FE-3A06-40A5-B7EC-FFFB980504CA}"/>
+              </a:ext>
+            </a:extLst>
+          </p:cNvPr>
+          <p:cNvPicPr>
+            <a:picLocks noChangeAspect="1"/>
+          </p:cNvPicPr>
+          <p:nvPr/>
+        </p:nvPicPr>
+        <p:blipFill>
+          <a:blip r:embed="rId2"/>
+          <a:stretch>
+            <a:fillRect/>
+          </a:stretch>
+        </p:blipFill>
+        <p:spPr>
+          <a:xfrm>
+            <a:off x="5753100" y="1537045"/>
+            <a:ext cx="3276600" cy="685800"/>
+          </a:xfrm>
+          <a:prstGeom prst="rect">
+            <a:avLst/>
+          </a:prstGeom>
+          <a:effectLst>
+            <a:outerShdw blurRad="50800" dist="38100" dir="2700000" algn="tl" rotWithShape="0">
+              <a:prstClr val="black">
+                <a:alpha val="40000"/>
+              </a:prstClr>
+            </a:outerShdw>
+          </a:effectLst>
+        </p:spPr>
+      </p:pic>
+      <p:pic>
+        <p:nvPicPr>
+          <p:cNvPr id="9" name="Picture 8">
+            <a:extLst>
+              <a:ext uri="{FF2B5EF4-FFF2-40B4-BE49-F238E27FC236}">
+                <a16:creationId xmlns:a16="http://schemas.microsoft.com/office/drawing/2014/main" id="{370FCD47-8DCD-49EE-876C-82900006C6A5}"/>
+              </a:ext>
+            </a:extLst>
+          </p:cNvPr>
+          <p:cNvPicPr>
+            <a:picLocks noChangeAspect="1"/>
+          </p:cNvPicPr>
+          <p:nvPr/>
+        </p:nvPicPr>
+        <p:blipFill>
+          <a:blip r:embed="rId3"/>
+          <a:stretch>
+            <a:fillRect/>
+          </a:stretch>
+        </p:blipFill>
+        <p:spPr>
+          <a:xfrm>
+            <a:off x="5806786" y="2351318"/>
+            <a:ext cx="5600700" cy="428625"/>
+          </a:xfrm>
+          <a:prstGeom prst="rect">
+            <a:avLst/>
+          </a:prstGeom>
+          <a:effectLst>
+            <a:outerShdw blurRad="50800" dist="38100" dir="2700000" algn="tl" rotWithShape="0">
+              <a:prstClr val="black">
+                <a:alpha val="40000"/>
+              </a:prstClr>
+            </a:outerShdw>
+          </a:effectLst>
+        </p:spPr>
+      </p:pic>
+      <p:pic>
+        <p:nvPicPr>
+          <p:cNvPr id="10" name="Picture 9">
+            <a:extLst>
+              <a:ext uri="{FF2B5EF4-FFF2-40B4-BE49-F238E27FC236}">
+                <a16:creationId xmlns:a16="http://schemas.microsoft.com/office/drawing/2014/main" id="{FED211DD-1C2E-4CDD-90C8-71FBCB598083}"/>
+              </a:ext>
+            </a:extLst>
+          </p:cNvPr>
+          <p:cNvPicPr>
+            <a:picLocks noChangeAspect="1"/>
+          </p:cNvPicPr>
+          <p:nvPr/>
+        </p:nvPicPr>
+        <p:blipFill>
+          <a:blip r:embed="rId4"/>
+          <a:stretch>
+            <a:fillRect/>
+          </a:stretch>
+        </p:blipFill>
+        <p:spPr>
+          <a:xfrm>
+            <a:off x="5753100" y="3146286"/>
+            <a:ext cx="5657850" cy="466725"/>
+          </a:xfrm>
+          <a:prstGeom prst="rect">
+            <a:avLst/>
+          </a:prstGeom>
+          <a:effectLst>
+            <a:outerShdw blurRad="50800" dist="38100" dir="2700000" algn="tl" rotWithShape="0">
+              <a:prstClr val="black">
+                <a:alpha val="40000"/>
+              </a:prstClr>
+            </a:outerShdw>
+          </a:effectLst>
+        </p:spPr>
+      </p:pic>
+      <p:pic>
+        <p:nvPicPr>
+          <p:cNvPr id="11" name="Picture 10">
+            <a:extLst>
+              <a:ext uri="{FF2B5EF4-FFF2-40B4-BE49-F238E27FC236}">
+                <a16:creationId xmlns:a16="http://schemas.microsoft.com/office/drawing/2014/main" id="{03F2B248-6CBD-4CCD-8490-58621FE2A069}"/>
+              </a:ext>
+            </a:extLst>
+          </p:cNvPr>
+          <p:cNvPicPr>
+            <a:picLocks noChangeAspect="1"/>
+          </p:cNvPicPr>
+          <p:nvPr/>
+        </p:nvPicPr>
+        <p:blipFill>
+          <a:blip r:embed="rId5"/>
+          <a:stretch>
+            <a:fillRect/>
+          </a:stretch>
+        </p:blipFill>
+        <p:spPr>
+          <a:xfrm>
+            <a:off x="4065798" y="3979353"/>
+            <a:ext cx="7477125" cy="219075"/>
+          </a:xfrm>
+          <a:prstGeom prst="rect">
+            <a:avLst/>
+          </a:prstGeom>
+          <a:effectLst>
+            <a:outerShdw blurRad="50800" dist="38100" dir="2700000" algn="tl" rotWithShape="0">
+              <a:prstClr val="black">
+                <a:alpha val="40000"/>
+              </a:prstClr>
+            </a:outerShdw>
+          </a:effectLst>
+        </p:spPr>
+      </p:pic>
+      <p:pic>
+        <p:nvPicPr>
+          <p:cNvPr id="16" name="Picture 15">
+            <a:extLst>
+              <a:ext uri="{FF2B5EF4-FFF2-40B4-BE49-F238E27FC236}">
+                <a16:creationId xmlns:a16="http://schemas.microsoft.com/office/drawing/2014/main" id="{4BF5125C-2A85-4053-8CFF-E037B0CDF8AA}"/>
+              </a:ext>
+            </a:extLst>
+          </p:cNvPr>
+          <p:cNvPicPr>
+            <a:picLocks noChangeAspect="1"/>
+          </p:cNvPicPr>
+          <p:nvPr/>
+        </p:nvPicPr>
+        <p:blipFill>
+          <a:blip r:embed="rId6" cstate="screen">
+            <a:extLst>
+              <a:ext uri="{28A0092B-C50C-407E-A947-70E740481C1C}">
+                <a14:useLocalDpi xmlns:a14="http://schemas.microsoft.com/office/drawing/2010/main" val="0"/>
+              </a:ext>
+            </a:extLst>
+          </a:blip>
+          <a:stretch>
+            <a:fillRect/>
+          </a:stretch>
+        </p:blipFill>
+        <p:spPr>
+          <a:xfrm>
+            <a:off x="846953" y="1409060"/>
+            <a:ext cx="485903" cy="485903"/>
+          </a:xfrm>
+          <a:prstGeom prst="rect">
+            <a:avLst/>
+          </a:prstGeom>
+        </p:spPr>
+      </p:pic>
     </p:spTree>
     <p:extLst>
       <p:ext uri="{BB962C8B-B14F-4D97-AF65-F5344CB8AC3E}">
@@ -48707,238 +49549,129 @@
           <a:lstStyle/>
           <a:p>
             <a:r>
-              <a:rPr lang="en-US" sz="1600" dirty="0"/>
+              <a:rPr lang="en-US" sz="1400" dirty="0"/>
               <a:t>Java </a:t>
             </a:r>
             <a:r>
-              <a:rPr lang="ru-RU" sz="1600" dirty="0"/>
+              <a:rPr lang="ru-RU" sz="1400" dirty="0"/>
               <a:t>классы на 99</a:t>
             </a:r>
             <a:r>
-              <a:rPr lang="en-US" sz="1600" dirty="0"/>
+              <a:rPr lang="en-US" sz="1400" dirty="0"/>
               <a:t>,</a:t>
             </a:r>
             <a:r>
-              <a:rPr lang="ru-RU" sz="1600" dirty="0"/>
+              <a:rPr lang="ru-RU" sz="1400" dirty="0"/>
               <a:t>9</a:t>
             </a:r>
             <a:r>
-              <a:rPr lang="en-US" sz="1600" dirty="0"/>
+              <a:rPr lang="en-US" sz="1400" dirty="0"/>
               <a:t>% </a:t>
             </a:r>
             <a:r>
-              <a:rPr lang="ru-RU" sz="1600" dirty="0"/>
-              <a:t>без проблем используется в </a:t>
-            </a:r>
-            <a:r>
-              <a:rPr lang="en-US" sz="1600" dirty="0"/>
+              <a:rPr lang="ru-RU" sz="1400" dirty="0"/>
+              <a:t>без проблем используются в </a:t>
+            </a:r>
+            <a:r>
+              <a:rPr lang="en-US" sz="1400" dirty="0"/>
               <a:t>Kotlin</a:t>
             </a:r>
           </a:p>
           <a:p>
             <a:r>
-              <a:rPr lang="ru-RU" sz="1600" dirty="0"/>
-              <a:t>Имя поля, метода, файла </a:t>
-            </a:r>
-            <a:r>
-              <a:rPr lang="en-US" sz="1600" dirty="0"/>
+              <a:rPr lang="en-US" sz="1400" dirty="0"/>
               <a:t>@</a:t>
             </a:r>
             <a:r>
-              <a:rPr lang="en-US" sz="1600" dirty="0" err="1"/>
+              <a:rPr lang="en-US" sz="1400" dirty="0" err="1"/>
               <a:t>JvmName</a:t>
             </a:r>
             <a:r>
-              <a:rPr lang="ru-RU" sz="1600" dirty="0"/>
+              <a:rPr lang="ru-RU" sz="1400" dirty="0"/>
               <a:t>, </a:t>
             </a:r>
             <a:r>
-              <a:rPr lang="en-US" sz="1600" dirty="0"/>
+              <a:rPr lang="en-US" sz="1400" dirty="0"/>
               <a:t>@</a:t>
             </a:r>
             <a:r>
-              <a:rPr lang="en-US" sz="1600" dirty="0" err="1"/>
+              <a:rPr lang="en-US" sz="1400" dirty="0" err="1"/>
               <a:t>JvmMultifileClass</a:t>
             </a:r>
-            <a:endParaRPr lang="en-US" sz="1600" dirty="0"/>
-          </a:p>
-          <a:p>
-            <a:r>
-              <a:rPr lang="en-US" sz="1600" dirty="0"/>
-              <a:t>Property</a:t>
-            </a:r>
-            <a:r>
-              <a:rPr lang="ru-RU" sz="1600" dirty="0"/>
-              <a:t> как поле </a:t>
-            </a:r>
-            <a:r>
-              <a:rPr lang="en-US" sz="1600" dirty="0"/>
+            <a:endParaRPr lang="en-US" sz="1400" dirty="0"/>
+          </a:p>
+          <a:p>
+            <a:r>
+              <a:rPr lang="en-US" sz="1400" dirty="0"/>
               <a:t>@</a:t>
             </a:r>
             <a:r>
-              <a:rPr lang="en-US" sz="1600" dirty="0" err="1"/>
+              <a:rPr lang="en-US" sz="1400" dirty="0" err="1"/>
               <a:t>JvmField</a:t>
             </a:r>
-            <a:endParaRPr lang="en-US" sz="1600" dirty="0"/>
-          </a:p>
-          <a:p>
-            <a:r>
-              <a:rPr lang="ru-RU" sz="1600" dirty="0"/>
-              <a:t>Метод </a:t>
-            </a:r>
-            <a:r>
-              <a:rPr lang="en-US" sz="1600" dirty="0"/>
-              <a:t>companion object </a:t>
-            </a:r>
-            <a:r>
-              <a:rPr lang="ru-RU" sz="1600" dirty="0"/>
-              <a:t>как </a:t>
-            </a:r>
-            <a:r>
-              <a:rPr lang="en-US" sz="1600" dirty="0"/>
-              <a:t>static @</a:t>
-            </a:r>
-            <a:r>
-              <a:rPr lang="en-US" sz="1600" dirty="0" err="1"/>
+            <a:endParaRPr lang="en-US" sz="1400" dirty="0"/>
+          </a:p>
+          <a:p>
+            <a:r>
+              <a:rPr lang="en-US" sz="1400" dirty="0"/>
+              <a:t>@</a:t>
+            </a:r>
+            <a:r>
+              <a:rPr lang="en-US" sz="1400" dirty="0" err="1"/>
               <a:t>JvmStatic</a:t>
             </a:r>
-            <a:endParaRPr lang="en-US" sz="1600" dirty="0"/>
-          </a:p>
-          <a:p>
-            <a:r>
-              <a:rPr lang="ru-RU" sz="1600" dirty="0"/>
-              <a:t>Методы интерфейсов как </a:t>
-            </a:r>
-            <a:r>
-              <a:rPr lang="en-US" sz="1600" dirty="0"/>
-              <a:t>default </a:t>
-            </a:r>
-            <a:r>
-              <a:rPr lang="ru-RU" sz="1600" dirty="0"/>
-              <a:t>в </a:t>
-            </a:r>
-            <a:r>
-              <a:rPr lang="en-US" sz="1600" dirty="0"/>
-              <a:t>Java -</a:t>
-            </a:r>
-            <a:r>
-              <a:rPr lang="en-US" sz="1600" dirty="0" err="1"/>
+            <a:endParaRPr lang="en-US" sz="1400" dirty="0"/>
+          </a:p>
+          <a:p>
+            <a:r>
+              <a:rPr lang="en-US" sz="1400" dirty="0"/>
+              <a:t>-</a:t>
+            </a:r>
+            <a:r>
+              <a:rPr lang="en-US" sz="1400" dirty="0" err="1"/>
               <a:t>Xjvm</a:t>
             </a:r>
             <a:r>
-              <a:rPr lang="en-US" sz="1600" dirty="0"/>
-              <a:t>-default=all</a:t>
-            </a:r>
-          </a:p>
-          <a:p>
-            <a:r>
-              <a:rPr lang="ru-RU" sz="1600" dirty="0"/>
-              <a:t>Перегрузка методов для параметров со значениями по умолчанию </a:t>
-            </a:r>
-            <a:r>
-              <a:rPr lang="en-US" sz="1600" dirty="0"/>
+              <a:rPr lang="en-US" sz="1400" dirty="0"/>
+              <a:t>-default</a:t>
+            </a:r>
+          </a:p>
+          <a:p>
+            <a:r>
+              <a:rPr lang="en-US" sz="1400" dirty="0"/>
               <a:t>@</a:t>
             </a:r>
             <a:r>
-              <a:rPr lang="en-US" sz="1600" dirty="0" err="1"/>
+              <a:rPr lang="en-US" sz="1400" dirty="0" err="1"/>
               <a:t>JvmOverloads</a:t>
             </a:r>
-            <a:endParaRPr lang="ru-RU" sz="1600" dirty="0"/>
-          </a:p>
-          <a:p>
-            <a:r>
-              <a:rPr lang="ru-RU" sz="1600" dirty="0"/>
-              <a:t>Изменение </a:t>
-            </a:r>
-            <a:r>
-              <a:rPr lang="en-US" sz="1600" dirty="0"/>
-              <a:t>constraints </a:t>
-            </a:r>
-            <a:r>
-              <a:rPr lang="ru-RU" sz="1600" dirty="0"/>
-              <a:t>для </a:t>
-            </a:r>
-            <a:r>
-              <a:rPr lang="en-US" sz="1600" dirty="0"/>
-              <a:t>generics @</a:t>
-            </a:r>
-            <a:r>
-              <a:rPr lang="en-US" sz="1600" dirty="0" err="1"/>
+            <a:endParaRPr lang="ru-RU" sz="1400" dirty="0"/>
+          </a:p>
+          <a:p>
+            <a:r>
+              <a:rPr lang="en-US" sz="1400" dirty="0"/>
+              <a:t>@</a:t>
+            </a:r>
+            <a:r>
+              <a:rPr lang="en-US" sz="1400" dirty="0" err="1"/>
               <a:t>JvmWildcard</a:t>
             </a:r>
             <a:r>
-              <a:rPr lang="en-US" sz="1600" dirty="0"/>
+              <a:rPr lang="en-US" sz="1400" dirty="0"/>
               <a:t>, @</a:t>
             </a:r>
             <a:r>
-              <a:rPr lang="en-US" sz="1600" dirty="0" err="1"/>
+              <a:rPr lang="en-US" sz="1400" dirty="0" err="1"/>
               <a:t>JvmSuppressWildcards</a:t>
             </a:r>
-            <a:endParaRPr lang="en-US" sz="1600" dirty="0"/>
-          </a:p>
-          <a:p>
-            <a:r>
-              <a:rPr lang="en-US" sz="1600" dirty="0"/>
-              <a:t>@Throws </a:t>
-            </a:r>
-            <a:r>
-              <a:rPr lang="ru-RU" sz="1600" dirty="0"/>
-              <a:t>для декларирования </a:t>
-            </a:r>
-            <a:r>
-              <a:rPr lang="en-US" sz="1600" dirty="0"/>
-              <a:t>checked exceptions</a:t>
-            </a:r>
-            <a:endParaRPr lang="ru-RU" sz="1600" dirty="0"/>
-          </a:p>
-          <a:p>
-            <a:endParaRPr lang="ru-RU" sz="1600" dirty="0"/>
-          </a:p>
-          <a:p>
-            <a:r>
-              <a:rPr lang="en-US" sz="1600" dirty="0"/>
-              <a:t>Kotlin </a:t>
-            </a:r>
-            <a:r>
-              <a:rPr lang="ru-RU" sz="1600" dirty="0"/>
-              <a:t>дублирует многие сущности </a:t>
-            </a:r>
-            <a:r>
-              <a:rPr lang="en-US" sz="1600" dirty="0"/>
-              <a:t>Java</a:t>
-            </a:r>
-            <a:r>
-              <a:rPr lang="ru-RU" sz="1600" dirty="0"/>
-              <a:t>, например, </a:t>
-            </a:r>
-            <a:r>
-              <a:rPr lang="en-US" sz="1600" dirty="0" err="1"/>
-              <a:t>KClass</a:t>
-            </a:r>
-            <a:r>
-              <a:rPr lang="en-US" sz="1600" dirty="0"/>
-              <a:t> </a:t>
-            </a:r>
-            <a:r>
-              <a:rPr lang="ru-RU" sz="1600" dirty="0"/>
-              <a:t>вместо </a:t>
-            </a:r>
-            <a:r>
-              <a:rPr lang="en-US" sz="1600" dirty="0"/>
-              <a:t>Class</a:t>
-            </a:r>
-            <a:r>
-              <a:rPr lang="ru-RU" sz="1600" dirty="0"/>
-              <a:t>; рефлексию при этом все равно приходится использовать из </a:t>
-            </a:r>
-            <a:r>
-              <a:rPr lang="en-US" sz="1600" dirty="0"/>
-              <a:t>Java</a:t>
-            </a:r>
-            <a:endParaRPr lang="ru-RU" sz="1600" dirty="0"/>
-          </a:p>
-          <a:p>
-            <a:endParaRPr lang="ru-RU" sz="1600" dirty="0"/>
+            <a:endParaRPr lang="en-US" sz="1400" dirty="0"/>
+          </a:p>
+          <a:p>
+            <a:r>
+              <a:rPr lang="en-US" sz="1400" dirty="0"/>
+              <a:t>@Throws</a:t>
+            </a:r>
+            <a:endParaRPr lang="ru-RU" sz="1400" dirty="0"/>
           </a:p>
         </p:txBody>
       </p:sp>
@@ -49017,6 +49750,117 @@
           </a:p>
         </p:txBody>
       </p:sp>
+      <p:pic>
+        <p:nvPicPr>
+          <p:cNvPr id="7" name="Picture 6">
+            <a:extLst>
+              <a:ext uri="{FF2B5EF4-FFF2-40B4-BE49-F238E27FC236}">
+                <a16:creationId xmlns:a16="http://schemas.microsoft.com/office/drawing/2014/main" id="{6D387AF9-5777-43FE-896D-7176AA02D8E8}"/>
+              </a:ext>
+            </a:extLst>
+          </p:cNvPr>
+          <p:cNvPicPr>
+            <a:picLocks noChangeAspect="1"/>
+          </p:cNvPicPr>
+          <p:nvPr/>
+        </p:nvPicPr>
+        <p:blipFill>
+          <a:blip r:embed="rId2"/>
+          <a:stretch>
+            <a:fillRect/>
+          </a:stretch>
+        </p:blipFill>
+        <p:spPr>
+          <a:xfrm>
+            <a:off x="6047369" y="1477092"/>
+            <a:ext cx="4210050" cy="2019300"/>
+          </a:xfrm>
+          <a:prstGeom prst="rect">
+            <a:avLst/>
+          </a:prstGeom>
+          <a:effectLst>
+            <a:outerShdw blurRad="50800" dist="38100" dir="2700000" algn="tl" rotWithShape="0">
+              <a:prstClr val="black">
+                <a:alpha val="40000"/>
+              </a:prstClr>
+            </a:outerShdw>
+          </a:effectLst>
+        </p:spPr>
+      </p:pic>
+      <p:pic>
+        <p:nvPicPr>
+          <p:cNvPr id="9" name="Picture 8">
+            <a:extLst>
+              <a:ext uri="{FF2B5EF4-FFF2-40B4-BE49-F238E27FC236}">
+                <a16:creationId xmlns:a16="http://schemas.microsoft.com/office/drawing/2014/main" id="{13398ACE-0882-4AF4-BCAB-D3AF044E9BE4}"/>
+              </a:ext>
+            </a:extLst>
+          </p:cNvPr>
+          <p:cNvPicPr>
+            <a:picLocks noChangeAspect="1"/>
+          </p:cNvPicPr>
+          <p:nvPr/>
+        </p:nvPicPr>
+        <p:blipFill>
+          <a:blip r:embed="rId3"/>
+          <a:stretch>
+            <a:fillRect/>
+          </a:stretch>
+        </p:blipFill>
+        <p:spPr>
+          <a:xfrm>
+            <a:off x="6047369" y="3705453"/>
+            <a:ext cx="5572125" cy="1600200"/>
+          </a:xfrm>
+          <a:prstGeom prst="rect">
+            <a:avLst/>
+          </a:prstGeom>
+          <a:effectLst>
+            <a:outerShdw blurRad="50800" dist="38100" dir="2700000" algn="tl" rotWithShape="0">
+              <a:prstClr val="black">
+                <a:alpha val="40000"/>
+              </a:prstClr>
+            </a:outerShdw>
+          </a:effectLst>
+        </p:spPr>
+      </p:pic>
+      <p:pic>
+        <p:nvPicPr>
+          <p:cNvPr id="10" name="Picture 9">
+            <a:extLst>
+              <a:ext uri="{FF2B5EF4-FFF2-40B4-BE49-F238E27FC236}">
+                <a16:creationId xmlns:a16="http://schemas.microsoft.com/office/drawing/2014/main" id="{199A1031-F906-4460-8543-5B3F5D27E7F6}"/>
+              </a:ext>
+            </a:extLst>
+          </p:cNvPr>
+          <p:cNvPicPr>
+            <a:picLocks noChangeAspect="1"/>
+          </p:cNvPicPr>
+          <p:nvPr/>
+        </p:nvPicPr>
+        <p:blipFill>
+          <a:blip r:embed="rId4"/>
+          <a:stretch>
+            <a:fillRect/>
+          </a:stretch>
+        </p:blipFill>
+        <p:spPr>
+          <a:xfrm>
+            <a:off x="1185862" y="4867503"/>
+            <a:ext cx="4429125" cy="438150"/>
+          </a:xfrm>
+          <a:prstGeom prst="rect">
+            <a:avLst/>
+          </a:prstGeom>
+          <a:effectLst>
+            <a:outerShdw blurRad="50800" dist="38100" dir="2700000" algn="tl" rotWithShape="0">
+              <a:prstClr val="black">
+                <a:alpha val="40000"/>
+              </a:prstClr>
+            </a:outerShdw>
+          </a:effectLst>
+        </p:spPr>
+      </p:pic>
     </p:spTree>
     <p:extLst>
       <p:ext uri="{BB962C8B-B14F-4D97-AF65-F5344CB8AC3E}">
@@ -49052,7 +49896,7 @@
           <p:cNvPr id="2" name="Title 1">
             <a:extLst>
               <a:ext uri="{FF2B5EF4-FFF2-40B4-BE49-F238E27FC236}">
-                <a16:creationId xmlns:a16="http://schemas.microsoft.com/office/drawing/2014/main" id="{73D02D58-6B46-439C-A386-1F71A54689F0}"/>
+                <a16:creationId xmlns:a16="http://schemas.microsoft.com/office/drawing/2014/main" id="{4B2FC333-B008-4F7F-9FCE-B4C1323DF885}"/>
               </a:ext>
             </a:extLst>
           </p:cNvPr>
@@ -49069,9 +49913,18 @@
           <a:lstStyle/>
           <a:p>
             <a:r>
+              <a:rPr lang="en-US" dirty="0"/>
+              <a:t>Groovy</a:t>
+            </a:r>
+            <a:r>
               <a:rPr lang="ru-RU" dirty="0"/>
-              <a:t>И более того</a:t>
-            </a:r>
+              <a:t> и </a:t>
+            </a:r>
+            <a:r>
+              <a:rPr lang="en-US" dirty="0"/>
+              <a:t>Spring</a:t>
+            </a:r>
+            <a:endParaRPr lang="ru-RU" dirty="0"/>
           </a:p>
         </p:txBody>
       </p:sp>
@@ -49080,7 +49933,7 @@
           <p:cNvPr id="3" name="Text Placeholder 2">
             <a:extLst>
               <a:ext uri="{FF2B5EF4-FFF2-40B4-BE49-F238E27FC236}">
-                <a16:creationId xmlns:a16="http://schemas.microsoft.com/office/drawing/2014/main" id="{5766E61A-EB72-45B2-9C97-9F67B82E8266}"/>
+                <a16:creationId xmlns:a16="http://schemas.microsoft.com/office/drawing/2014/main" id="{483787A5-7165-4452-ADD7-BE9206B3337D}"/>
               </a:ext>
             </a:extLst>
           </p:cNvPr>
@@ -49097,67 +49950,210 @@
           <a:lstStyle/>
           <a:p>
             <a:r>
-              <a:rPr lang="ru-RU" dirty="0"/>
-              <a:t>Функциональные интерфейсы</a:t>
-            </a:r>
-          </a:p>
-          <a:p>
-            <a:r>
-              <a:rPr lang="ru-RU" dirty="0"/>
-              <a:t>Модификаторы видимости</a:t>
-            </a:r>
-            <a:r>
-              <a:rPr lang="en-US" dirty="0"/>
-              <a:t> +internal, -package</a:t>
-            </a:r>
-            <a:endParaRPr lang="ru-RU" dirty="0"/>
-          </a:p>
-          <a:p>
-            <a:r>
-              <a:rPr lang="ru-RU" dirty="0"/>
-              <a:t>Псевдонимы типов</a:t>
-            </a:r>
+              <a:rPr lang="en-US" sz="2000" dirty="0"/>
+              <a:t>Spring</a:t>
+            </a:r>
+          </a:p>
+          <a:p>
+            <a:pPr lvl="1"/>
+            <a:r>
+              <a:rPr lang="en-US" sz="1600" dirty="0"/>
+              <a:t>Spring </a:t>
+            </a:r>
+            <a:r>
+              <a:rPr lang="ru-RU" sz="1600" dirty="0"/>
+              <a:t>требует, чтобы классы были расширяемыми</a:t>
+            </a:r>
+            <a:r>
+              <a:rPr lang="en-US" sz="1600" dirty="0"/>
+              <a:t> (open)</a:t>
+            </a:r>
+            <a:r>
+              <a:rPr lang="ru-RU" sz="1600" dirty="0"/>
+              <a:t> по умолчанию -</a:t>
+            </a:r>
+            <a:r>
+              <a:rPr lang="en-US" sz="1600" dirty="0"/>
+              <a:t>&gt;</a:t>
+            </a:r>
+            <a:r>
+              <a:rPr lang="ru-RU" sz="1600" dirty="0"/>
+              <a:t> </a:t>
+            </a:r>
+            <a:r>
+              <a:rPr lang="en-US" sz="1600" dirty="0"/>
+              <a:t>Kotlin-spring Gradle plugin</a:t>
+            </a:r>
+          </a:p>
+          <a:p>
+            <a:pPr lvl="1"/>
+            <a:r>
+              <a:rPr lang="en-US" sz="1600" dirty="0"/>
+              <a:t>@</a:t>
+            </a:r>
+            <a:r>
+              <a:rPr lang="en-US" sz="1600" dirty="0" err="1"/>
+              <a:t>ConfigurationProperties</a:t>
+            </a:r>
+            <a:r>
+              <a:rPr lang="en-US" sz="1600" dirty="0"/>
+              <a:t> </a:t>
+            </a:r>
+            <a:r>
+              <a:rPr lang="ru-RU" sz="1600" dirty="0"/>
+              <a:t>с </a:t>
+            </a:r>
+            <a:r>
+              <a:rPr lang="en-US" sz="1600" dirty="0"/>
+              <a:t>@</a:t>
+            </a:r>
+            <a:r>
+              <a:rPr lang="en-US" sz="1600" dirty="0" err="1"/>
+              <a:t>ConstructorBinding</a:t>
+            </a:r>
+            <a:endParaRPr lang="en-US" sz="1600" dirty="0"/>
+          </a:p>
+          <a:p>
+            <a:pPr lvl="1"/>
+            <a:r>
+              <a:rPr lang="ru-RU" sz="1600" dirty="0"/>
+              <a:t>Поддержка </a:t>
+            </a:r>
+            <a:r>
+              <a:rPr lang="en-US" sz="1600" dirty="0"/>
+              <a:t>coroutines </a:t>
+            </a:r>
+            <a:r>
+              <a:rPr lang="ru-RU" sz="1600" dirty="0"/>
+              <a:t>в </a:t>
+            </a:r>
+            <a:r>
+              <a:rPr lang="en-US" sz="1600" dirty="0" err="1"/>
+              <a:t>WebFlux</a:t>
+            </a:r>
+            <a:r>
+              <a:rPr lang="en-US" sz="1600" dirty="0"/>
+              <a:t>,</a:t>
+            </a:r>
+            <a:r>
+              <a:rPr lang="ru-RU" sz="1600" dirty="0"/>
+              <a:t> </a:t>
+            </a:r>
+            <a:r>
+              <a:rPr lang="en-US" sz="1600" dirty="0"/>
+              <a:t>Spring Data Reactive, </a:t>
+            </a:r>
+            <a:r>
+              <a:rPr lang="en-US" sz="1600" dirty="0" err="1"/>
+              <a:t>Rsocket</a:t>
+            </a:r>
+            <a:endParaRPr lang="en-US" sz="1600" dirty="0"/>
+          </a:p>
+          <a:p>
+            <a:pPr lvl="1"/>
+            <a:r>
+              <a:rPr lang="en-US" sz="1600" dirty="0"/>
+              <a:t>Router DSL, Beans DSL</a:t>
+            </a:r>
+          </a:p>
+          <a:p>
+            <a:pPr lvl="1"/>
             <a:endParaRPr lang="en-US" dirty="0"/>
           </a:p>
           <a:p>
-            <a:r>
-              <a:rPr lang="ru-RU" dirty="0"/>
-              <a:t>Делегированные свойства</a:t>
-            </a:r>
-          </a:p>
-          <a:p>
-            <a:r>
-              <a:rPr lang="ru-RU" dirty="0"/>
-              <a:t>Сравнение по структуре == и ссылке ===</a:t>
-            </a:r>
-          </a:p>
-          <a:p>
-            <a:r>
-              <a:rPr lang="ru-RU" dirty="0"/>
-              <a:t>Отсутствие проверяемых исключений</a:t>
-            </a:r>
+            <a:pPr lvl="1"/>
             <a:endParaRPr lang="en-US" dirty="0"/>
           </a:p>
           <a:p>
-            <a:r>
-              <a:rPr lang="ru-RU" dirty="0"/>
-              <a:t>Множество полезных и удобных функций стандартной библиотеки</a:t>
-            </a:r>
-          </a:p>
-          <a:p>
-            <a:pPr marL="0" indent="0">
-              <a:buNone/>
-            </a:pPr>
             <a:endParaRPr lang="ru-RU" dirty="0"/>
           </a:p>
         </p:txBody>
       </p:sp>
       <p:sp>
         <p:nvSpPr>
-          <p:cNvPr id="4" name="Text Placeholder 3">
+          <p:cNvPr id="10" name="Text Placeholder 9">
             <a:extLst>
               <a:ext uri="{FF2B5EF4-FFF2-40B4-BE49-F238E27FC236}">
-                <a16:creationId xmlns:a16="http://schemas.microsoft.com/office/drawing/2014/main" id="{2E308672-4D3F-4122-8110-3E8B5109C6C3}"/>
+                <a16:creationId xmlns:a16="http://schemas.microsoft.com/office/drawing/2014/main" id="{BF5001A0-DB58-4891-BC39-1C5563FC83E5}"/>
+              </a:ext>
+            </a:extLst>
+          </p:cNvPr>
+          <p:cNvSpPr>
+            <a:spLocks noGrp="1"/>
+          </p:cNvSpPr>
+          <p:nvPr>
+            <p:ph type="body" sz="quarter" idx="15"/>
+          </p:nvPr>
+        </p:nvSpPr>
+        <p:spPr/>
+        <p:txBody>
+          <a:bodyPr/>
+          <a:lstStyle/>
+          <a:p>
+            <a:r>
+              <a:rPr lang="en-US" sz="2000" dirty="0"/>
+              <a:t>Groovy: Kotlin </a:t>
+            </a:r>
+            <a:r>
+              <a:rPr lang="en-US" sz="2000" dirty="0" err="1"/>
+              <a:t>enums</a:t>
+            </a:r>
+            <a:r>
+              <a:rPr lang="ru-RU" sz="2000" dirty="0"/>
+              <a:t> с </a:t>
+            </a:r>
+            <a:r>
+              <a:rPr lang="en-US" sz="2000" dirty="0"/>
+              <a:t>overridden</a:t>
+            </a:r>
+            <a:r>
+              <a:rPr lang="ru-RU" sz="2000" dirty="0"/>
+              <a:t> методами -</a:t>
+            </a:r>
+            <a:r>
+              <a:rPr lang="en-US" sz="2000" dirty="0"/>
+              <a:t>&gt; </a:t>
+            </a:r>
+            <a:r>
+              <a:rPr lang="en-US" sz="2000" dirty="0" err="1"/>
+              <a:t>EnumClass.valueOf</a:t>
+            </a:r>
+            <a:r>
+              <a:rPr lang="en-US" sz="2000" dirty="0"/>
+              <a:t>(name)</a:t>
+            </a:r>
+            <a:endParaRPr lang="ru-RU" sz="2000" dirty="0"/>
+          </a:p>
+          <a:p>
+            <a:r>
+              <a:rPr lang="en-US" sz="2000" dirty="0"/>
+              <a:t>Jackson – </a:t>
+            </a:r>
+            <a:r>
+              <a:rPr lang="en-US" sz="2000" dirty="0" err="1"/>
+              <a:t>jackson</a:t>
+            </a:r>
+            <a:r>
+              <a:rPr lang="en-US" sz="2000" dirty="0"/>
+              <a:t>-module-</a:t>
+            </a:r>
+            <a:r>
+              <a:rPr lang="en-US" sz="2000" dirty="0" err="1"/>
+              <a:t>kotlin</a:t>
+            </a:r>
+            <a:endParaRPr lang="en-US" sz="2000" dirty="0"/>
+          </a:p>
+          <a:p>
+            <a:endParaRPr lang="ru-RU" dirty="0"/>
+          </a:p>
+        </p:txBody>
+      </p:sp>
+      <p:sp>
+        <p:nvSpPr>
+          <p:cNvPr id="9" name="Text Placeholder 8">
+            <a:extLst>
+              <a:ext uri="{FF2B5EF4-FFF2-40B4-BE49-F238E27FC236}">
+                <a16:creationId xmlns:a16="http://schemas.microsoft.com/office/drawing/2014/main" id="{BDE8F419-9622-493B-979D-B0A2A0C69EEE}"/>
               </a:ext>
             </a:extLst>
           </p:cNvPr>
@@ -49179,10 +50175,10 @@
       </p:sp>
       <p:sp>
         <p:nvSpPr>
-          <p:cNvPr id="5" name="Subtitle 4">
+          <p:cNvPr id="8" name="Subtitle 7">
             <a:extLst>
               <a:ext uri="{FF2B5EF4-FFF2-40B4-BE49-F238E27FC236}">
-                <a16:creationId xmlns:a16="http://schemas.microsoft.com/office/drawing/2014/main" id="{C0945594-38E9-4C41-A8A1-2AE502ABCC95}"/>
+                <a16:creationId xmlns:a16="http://schemas.microsoft.com/office/drawing/2014/main" id="{FB9BCA58-ABB9-4D65-A606-63200A4A4342}"/>
               </a:ext>
             </a:extLst>
           </p:cNvPr>
@@ -49204,10 +50200,10 @@
       </p:sp>
       <p:sp>
         <p:nvSpPr>
-          <p:cNvPr id="6" name="Text Placeholder 5">
+          <p:cNvPr id="11" name="Text Placeholder 10">
             <a:extLst>
               <a:ext uri="{FF2B5EF4-FFF2-40B4-BE49-F238E27FC236}">
-                <a16:creationId xmlns:a16="http://schemas.microsoft.com/office/drawing/2014/main" id="{720EF673-2C41-4169-B0C0-91A6E0FA0BAB}"/>
+                <a16:creationId xmlns:a16="http://schemas.microsoft.com/office/drawing/2014/main" id="{89301DE7-8A86-4A4B-9052-CDB82471AD02}"/>
               </a:ext>
             </a:extLst>
           </p:cNvPr>
@@ -49215,7 +50211,7 @@
             <a:spLocks noGrp="1"/>
           </p:cNvSpPr>
           <p:nvPr>
-            <p:ph type="body" sz="quarter" idx="15"/>
+            <p:ph type="body" sz="quarter" idx="16"/>
           </p:nvPr>
         </p:nvSpPr>
         <p:spPr/>
@@ -49230,7 +50226,7 @@
     </p:spTree>
     <p:extLst>
       <p:ext uri="{BB962C8B-B14F-4D97-AF65-F5344CB8AC3E}">
-        <p14:creationId xmlns:p14="http://schemas.microsoft.com/office/powerpoint/2010/main" val="2332968619"/>
+        <p14:creationId xmlns:p14="http://schemas.microsoft.com/office/powerpoint/2010/main" val="4280370383"/>
       </p:ext>
     </p:extLst>
   </p:cSld>
@@ -49262,7 +50258,7 @@
           <p:cNvPr id="2" name="Title 1">
             <a:extLst>
               <a:ext uri="{FF2B5EF4-FFF2-40B4-BE49-F238E27FC236}">
-                <a16:creationId xmlns:a16="http://schemas.microsoft.com/office/drawing/2014/main" id="{4B2FC333-B008-4F7F-9FCE-B4C1323DF885}"/>
+                <a16:creationId xmlns:a16="http://schemas.microsoft.com/office/drawing/2014/main" id="{73D02D58-6B46-439C-A386-1F71A54689F0}"/>
               </a:ext>
             </a:extLst>
           </p:cNvPr>
@@ -49280,21 +50276,8 @@
           <a:p>
             <a:r>
               <a:rPr lang="ru-RU" dirty="0"/>
-              <a:t>Совместимость с </a:t>
-            </a:r>
-            <a:r>
-              <a:rPr lang="en-US" dirty="0"/>
-              <a:t>Groovy</a:t>
-            </a:r>
-            <a:r>
-              <a:rPr lang="ru-RU" dirty="0"/>
-              <a:t> и </a:t>
-            </a:r>
-            <a:r>
-              <a:rPr lang="en-US" dirty="0"/>
-              <a:t>Spring</a:t>
-            </a:r>
-            <a:endParaRPr lang="ru-RU" dirty="0"/>
+              <a:t>И более того</a:t>
+            </a:r>
           </a:p>
         </p:txBody>
       </p:sp>
@@ -49303,7 +50286,7 @@
           <p:cNvPr id="3" name="Text Placeholder 2">
             <a:extLst>
               <a:ext uri="{FF2B5EF4-FFF2-40B4-BE49-F238E27FC236}">
-                <a16:creationId xmlns:a16="http://schemas.microsoft.com/office/drawing/2014/main" id="{483787A5-7165-4452-ADD7-BE9206B3337D}"/>
+                <a16:creationId xmlns:a16="http://schemas.microsoft.com/office/drawing/2014/main" id="{5766E61A-EB72-45B2-9C97-9F67B82E8266}"/>
               </a:ext>
             </a:extLst>
           </p:cNvPr>
@@ -49320,29 +50303,57 @@
           <a:lstStyle/>
           <a:p>
             <a:r>
+              <a:rPr lang="ru-RU" dirty="0"/>
+              <a:t>Функциональные интерфейсы</a:t>
+            </a:r>
+          </a:p>
+          <a:p>
+            <a:r>
+              <a:rPr lang="ru-RU" dirty="0"/>
+              <a:t>Модификаторы видимости</a:t>
+            </a:r>
+            <a:r>
               <a:rPr lang="en-US" dirty="0"/>
-              <a:t>Kotlin </a:t>
-            </a:r>
-            <a:r>
-              <a:rPr lang="en-US" dirty="0" err="1"/>
-              <a:t>enums</a:t>
+              <a:t> +internal, -package</a:t>
             </a:r>
             <a:endParaRPr lang="ru-RU" dirty="0"/>
           </a:p>
           <a:p>
             <a:r>
               <a:rPr lang="ru-RU" dirty="0"/>
-              <a:t>Настройки при работе со </a:t>
-            </a:r>
-            <a:r>
-              <a:rPr lang="en-US" dirty="0"/>
-              <a:t>Spring</a:t>
-            </a:r>
-          </a:p>
-          <a:p>
+              <a:t>Псевдонимы типов</a:t>
+            </a:r>
             <a:endParaRPr lang="en-US" dirty="0"/>
           </a:p>
           <a:p>
+            <a:r>
+              <a:rPr lang="ru-RU" dirty="0"/>
+              <a:t>Делегированные свойства</a:t>
+            </a:r>
+          </a:p>
+          <a:p>
+            <a:r>
+              <a:rPr lang="ru-RU" dirty="0"/>
+              <a:t>Сравнение по структуре == и ссылке ===</a:t>
+            </a:r>
+          </a:p>
+          <a:p>
+            <a:r>
+              <a:rPr lang="ru-RU" dirty="0"/>
+              <a:t>Отсутствие проверяемых исключений</a:t>
+            </a:r>
+            <a:endParaRPr lang="en-US" dirty="0"/>
+          </a:p>
+          <a:p>
+            <a:r>
+              <a:rPr lang="ru-RU" dirty="0"/>
+              <a:t>Множество полезных и удобных функций стандартной библиотеки</a:t>
+            </a:r>
+          </a:p>
+          <a:p>
+            <a:pPr marL="0" indent="0">
+              <a:buNone/>
+            </a:pPr>
             <a:endParaRPr lang="ru-RU" dirty="0"/>
           </a:p>
         </p:txBody>
@@ -49352,7 +50363,7 @@
           <p:cNvPr id="4" name="Text Placeholder 3">
             <a:extLst>
               <a:ext uri="{FF2B5EF4-FFF2-40B4-BE49-F238E27FC236}">
-                <a16:creationId xmlns:a16="http://schemas.microsoft.com/office/drawing/2014/main" id="{B3B1BCF7-3EFE-4689-885F-75C8AB8769F8}"/>
+                <a16:creationId xmlns:a16="http://schemas.microsoft.com/office/drawing/2014/main" id="{2E308672-4D3F-4122-8110-3E8B5109C6C3}"/>
               </a:ext>
             </a:extLst>
           </p:cNvPr>
@@ -49377,7 +50388,7 @@
           <p:cNvPr id="5" name="Subtitle 4">
             <a:extLst>
               <a:ext uri="{FF2B5EF4-FFF2-40B4-BE49-F238E27FC236}">
-                <a16:creationId xmlns:a16="http://schemas.microsoft.com/office/drawing/2014/main" id="{666400D7-6FEC-4A06-8C54-2C6FDFBB2C14}"/>
+                <a16:creationId xmlns:a16="http://schemas.microsoft.com/office/drawing/2014/main" id="{C0945594-38E9-4C41-A8A1-2AE502ABCC95}"/>
               </a:ext>
             </a:extLst>
           </p:cNvPr>
@@ -49402,7 +50413,7 @@
           <p:cNvPr id="6" name="Text Placeholder 5">
             <a:extLst>
               <a:ext uri="{FF2B5EF4-FFF2-40B4-BE49-F238E27FC236}">
-                <a16:creationId xmlns:a16="http://schemas.microsoft.com/office/drawing/2014/main" id="{4B719317-0FA6-4227-B9EB-294E08D60051}"/>
+                <a16:creationId xmlns:a16="http://schemas.microsoft.com/office/drawing/2014/main" id="{720EF673-2C41-4169-B0C0-91A6E0FA0BAB}"/>
               </a:ext>
             </a:extLst>
           </p:cNvPr>
@@ -49425,7 +50436,7 @@
     </p:spTree>
     <p:extLst>
       <p:ext uri="{BB962C8B-B14F-4D97-AF65-F5344CB8AC3E}">
-        <p14:creationId xmlns:p14="http://schemas.microsoft.com/office/powerpoint/2010/main" val="4280370383"/>
+        <p14:creationId xmlns:p14="http://schemas.microsoft.com/office/powerpoint/2010/main" val="2332968619"/>
       </p:ext>
     </p:extLst>
   </p:cSld>
@@ -49792,16 +50803,12 @@
           <a:lstStyle/>
           <a:p>
             <a:r>
+              <a:rPr lang="en-US" b="1" dirty="0"/>
+              <a:t>Kotlin</a:t>
+            </a:r>
+            <a:r>
               <a:rPr lang="ru-RU" b="1" dirty="0"/>
-              <a:t>Сравнение быстродействия с</a:t>
-            </a:r>
-            <a:r>
-              <a:rPr lang="en-US" b="1" dirty="0"/>
-              <a:t> Java</a:t>
-            </a:r>
-            <a:r>
-              <a:rPr lang="ru-RU" b="1" dirty="0"/>
-              <a:t> </a:t>
+              <a:t> развивается</a:t>
             </a:r>
           </a:p>
         </p:txBody>
@@ -49816,94 +50823,241 @@
             <p:ph type="body" sz="quarter" idx="11"/>
           </p:nvPr>
         </p:nvSpPr>
-        <p:spPr/>
+        <p:spPr>
+          <a:xfrm>
+            <a:off x="492125" y="1518250"/>
+            <a:ext cx="11110800" cy="4538976"/>
+          </a:xfrm>
+        </p:spPr>
         <p:txBody>
           <a:bodyPr/>
           <a:lstStyle/>
           <a:p>
             <a:r>
+              <a:rPr lang="ru-RU" sz="1800" dirty="0"/>
+              <a:t>В активной разработке</a:t>
+            </a:r>
+          </a:p>
+          <a:p>
+            <a:r>
+              <a:rPr lang="ru-RU" sz="1800" dirty="0"/>
+              <a:t>Статистика проектов с </a:t>
+            </a:r>
+            <a:r>
+              <a:rPr lang="en-US" sz="1800" dirty="0" err="1"/>
+              <a:t>Github</a:t>
+            </a:r>
+            <a:r>
               <a:rPr lang="en-US" sz="1800" dirty="0"/>
-              <a:t>TODO </a:t>
+              <a:t> </a:t>
             </a:r>
             <a:r>
               <a:rPr lang="ru-RU" sz="1800" dirty="0"/>
-              <a:t>Либо убрать, либо добавить инфы. Можно написать про время сборки, про </a:t>
-            </a:r>
+              <a:t>на Котлин</a:t>
+            </a:r>
+          </a:p>
+          <a:p>
+            <a:r>
+              <a:rPr lang="ru-RU" sz="1800" dirty="0"/>
+              <a:t>Графики</a:t>
+            </a:r>
+          </a:p>
+          <a:p>
             <a:r>
               <a:rPr lang="en-US" sz="1800" dirty="0"/>
-              <a:t>tail recursion, tail invocation, inline </a:t>
+              <a:t>Spring </a:t>
             </a:r>
             <a:r>
               <a:rPr lang="ru-RU" sz="1800" dirty="0"/>
-              <a:t>функции</a:t>
-            </a:r>
-          </a:p>
-          <a:p>
+              <a:t>и </a:t>
+            </a:r>
+            <a:r>
+              <a:rPr lang="en-US" sz="1800" dirty="0" err="1"/>
+              <a:t>Gradle</a:t>
+            </a:r>
+            <a:r>
+              <a:rPr lang="en-US" sz="1800" dirty="0"/>
+              <a:t> </a:t>
+            </a:r>
             <a:r>
               <a:rPr lang="ru-RU" sz="1800" dirty="0"/>
-              <a:t>Генерируется примерно такой же байт-код как и </a:t>
+              <a:t>в своих документациях дублируют все примеры кода на </a:t>
+            </a:r>
+            <a:r>
+              <a:rPr lang="en-US" sz="1800" dirty="0" err="1"/>
+              <a:t>Kotlin</a:t>
+            </a:r>
+            <a:endParaRPr lang="en-US" sz="1800" dirty="0"/>
+          </a:p>
+          <a:p>
+            <a:r>
+              <a:rPr lang="ru-RU" sz="1800" dirty="0"/>
+              <a:t>С декабря 2019 года </a:t>
+            </a:r>
+            <a:r>
+              <a:rPr lang="en-US" sz="1800" dirty="0" err="1"/>
+              <a:t>Kotlin</a:t>
+            </a:r>
+            <a:r>
+              <a:rPr lang="ru-RU" sz="1800" dirty="0"/>
+              <a:t> признан</a:t>
             </a:r>
             <a:r>
               <a:rPr lang="en-US" sz="1800" dirty="0"/>
-              <a:t>Java</a:t>
+              <a:t> Google </a:t>
             </a:r>
             <a:r>
               <a:rPr lang="ru-RU" sz="1800" dirty="0"/>
-              <a:t>, при этом даже возможно ускорение за счет </a:t>
+              <a:t>предпочтительным языком для разработки на </a:t>
             </a:r>
             <a:r>
               <a:rPr lang="en-US" sz="1800" dirty="0"/>
-              <a:t>inline </a:t>
-            </a:r>
+              <a:t>Android</a:t>
+            </a:r>
+          </a:p>
+          <a:p>
             <a:r>
               <a:rPr lang="ru-RU" sz="1800" dirty="0"/>
-              <a:t>функций</a:t>
-            </a:r>
-          </a:p>
-          <a:p>
+              <a:t>Популярность языка растет</a:t>
+            </a:r>
+          </a:p>
+          <a:p>
+            <a:pPr lvl="1"/>
+            <a:r>
+              <a:rPr lang="ru-RU" sz="1800" dirty="0"/>
+              <a:t>По данным</a:t>
+            </a:r>
             <a:r>
               <a:rPr lang="en-US" sz="1800" dirty="0"/>
-              <a:t>TODO: </a:t>
+              <a:t> </a:t>
+            </a:r>
+            <a:r>
+              <a:rPr lang="en-US" sz="1800" dirty="0" err="1"/>
+              <a:t>Jetbrains</a:t>
+            </a:r>
+            <a:r>
+              <a:rPr lang="en-US" sz="1800" dirty="0"/>
+              <a:t> </a:t>
             </a:r>
             <a:r>
               <a:rPr lang="ru-RU" sz="1800" dirty="0"/>
-              <a:t>изучить результаты </a:t>
-            </a:r>
-            <a:r>
-              <a:rPr lang="en-US" sz="1800" dirty="0">
-                <a:hlinkClick r:id="rId2"/>
-              </a:rPr>
-              <a:t>https://github.com/Kotlin/kotlin-benchmarks</a:t>
-            </a:r>
-            <a:endParaRPr lang="ru-RU" sz="1800" dirty="0"/>
-          </a:p>
-          <a:p>
+              <a:t>в 2018 году доля </a:t>
+            </a:r>
+            <a:r>
+              <a:rPr lang="en-US" sz="1800" dirty="0" err="1"/>
+              <a:t>Kotlin</a:t>
+            </a:r>
             <a:r>
               <a:rPr lang="en-US" sz="1800" dirty="0"/>
-              <a:t>TODO:</a:t>
+              <a:t> </a:t>
             </a:r>
             <a:r>
               <a:rPr lang="ru-RU" sz="1800" dirty="0"/>
-              <a:t> изучить результаты </a:t>
+              <a:t>составляла </a:t>
+            </a:r>
+            <a:r>
+              <a:rPr lang="ru-RU" sz="1800" b="1" dirty="0"/>
+              <a:t>9%</a:t>
+            </a:r>
+            <a:r>
+              <a:rPr lang="ru-RU" sz="1800" dirty="0"/>
+              <a:t>, </a:t>
             </a:r>
             <a:r>
               <a:rPr lang="en-US" sz="1800" dirty="0"/>
-              <a:t>https://sites.google.com/a/athaydes.com/renato-athaydes/posts/kotlinshiddencosts-benchmarks</a:t>
-            </a:r>
-            <a:endParaRPr lang="ru-RU" sz="1800" dirty="0"/>
-          </a:p>
-          <a:p>
+              <a:t>Java – 51%; </a:t>
+            </a:r>
+            <a:r>
+              <a:rPr lang="ru-RU" sz="1800" dirty="0"/>
+              <a:t>в 2020 </a:t>
+            </a:r>
+            <a:r>
+              <a:rPr lang="en-US" sz="1800" dirty="0" err="1"/>
+              <a:t>Kotlin</a:t>
+            </a:r>
             <a:r>
               <a:rPr lang="en-US" sz="1800" dirty="0"/>
-              <a:t>TODO: </a:t>
-            </a:r>
+              <a:t> - </a:t>
+            </a:r>
+            <a:r>
+              <a:rPr lang="ru-RU" sz="1800" b="1" dirty="0"/>
+              <a:t>16%</a:t>
+            </a:r>
+            <a:r>
+              <a:rPr lang="en-US" sz="1800" dirty="0"/>
+              <a:t>, Java – 54%</a:t>
+            </a:r>
+            <a:endParaRPr lang="ru-RU" sz="1550" dirty="0"/>
+          </a:p>
+          <a:p>
+            <a:pPr lvl="1"/>
             <a:r>
               <a:rPr lang="ru-RU" sz="1800" dirty="0"/>
-              <a:t>изучить результаты </a:t>
+              <a:t>По данным </a:t>
+            </a:r>
+            <a:r>
+              <a:rPr lang="en-US" sz="1800" dirty="0" err="1"/>
+              <a:t>StackOverflow</a:t>
             </a:r>
             <a:r>
               <a:rPr lang="en-US" sz="1800" dirty="0"/>
-              <a:t>http://www.diva-portal.org/smash/get/diva2:1231573/FULLTEXT01.pdf</a:t>
+              <a:t> </a:t>
+            </a:r>
+            <a:r>
+              <a:rPr lang="ru-RU" sz="1800" dirty="0"/>
+              <a:t>в 2018 году доля </a:t>
+            </a:r>
+            <a:r>
+              <a:rPr lang="en-US" sz="1800" dirty="0" err="1"/>
+              <a:t>Kotlin</a:t>
+            </a:r>
+            <a:r>
+              <a:rPr lang="en-US" sz="1800" dirty="0"/>
+              <a:t> </a:t>
+            </a:r>
+            <a:r>
+              <a:rPr lang="ru-RU" sz="1800" dirty="0"/>
+              <a:t>составляла </a:t>
+            </a:r>
+            <a:r>
+              <a:rPr lang="en-US" sz="1800" b="1" dirty="0"/>
+              <a:t>4.7</a:t>
+            </a:r>
+            <a:r>
+              <a:rPr lang="ru-RU" sz="1800" b="1" dirty="0"/>
+              <a:t>%</a:t>
+            </a:r>
+            <a:r>
+              <a:rPr lang="ru-RU" sz="1800" dirty="0"/>
+              <a:t>, </a:t>
+            </a:r>
+            <a:r>
+              <a:rPr lang="en-US" sz="1800" dirty="0"/>
+              <a:t>Java – 45.4%; </a:t>
+            </a:r>
+            <a:r>
+              <a:rPr lang="ru-RU" sz="1800" dirty="0"/>
+              <a:t>в 2020 </a:t>
+            </a:r>
+            <a:r>
+              <a:rPr lang="en-US" sz="1800" dirty="0" err="1"/>
+              <a:t>Kotlin</a:t>
+            </a:r>
+            <a:r>
+              <a:rPr lang="en-US" sz="1800" dirty="0"/>
+              <a:t> - </a:t>
+            </a:r>
+            <a:r>
+              <a:rPr lang="en-US" sz="1800" b="1" dirty="0"/>
+              <a:t>8</a:t>
+            </a:r>
+            <a:r>
+              <a:rPr lang="ru-RU" sz="1800" b="1" dirty="0"/>
+              <a:t>%</a:t>
+            </a:r>
+            <a:r>
+              <a:rPr lang="en-US" sz="1800" dirty="0"/>
+              <a:t>, Java – 38.4%</a:t>
             </a:r>
             <a:endParaRPr lang="ru-RU" sz="1800" dirty="0"/>
           </a:p>
@@ -49962,14 +51116,14 @@
           <a:bodyPr/>
           <a:lstStyle/>
           <a:p>
-            <a:endParaRPr lang="ru-RU"/>
+            <a:endParaRPr lang="ru-RU" dirty="0"/>
           </a:p>
         </p:txBody>
       </p:sp>
     </p:spTree>
     <p:extLst>
       <p:ext uri="{BB962C8B-B14F-4D97-AF65-F5344CB8AC3E}">
-        <p14:creationId xmlns:p14="http://schemas.microsoft.com/office/powerpoint/2010/main" val="1499546623"/>
+        <p14:creationId xmlns:p14="http://schemas.microsoft.com/office/powerpoint/2010/main" val="732680791"/>
       </p:ext>
     </p:extLst>
   </p:cSld>
@@ -49998,7 +51152,13 @@
       </p:grpSpPr>
       <p:sp>
         <p:nvSpPr>
-          <p:cNvPr id="2" name="Заголовок 1"/>
+          <p:cNvPr id="2" name="Title 1">
+            <a:extLst>
+              <a:ext uri="{FF2B5EF4-FFF2-40B4-BE49-F238E27FC236}">
+                <a16:creationId xmlns:a16="http://schemas.microsoft.com/office/drawing/2014/main" id="{FF4C19BD-357F-4935-B82C-BC4CFC1E74C5}"/>
+              </a:ext>
+            </a:extLst>
+          </p:cNvPr>
           <p:cNvSpPr>
             <a:spLocks noGrp="1"/>
           </p:cNvSpPr>
@@ -50012,269 +51172,21 @@
           <a:lstStyle/>
           <a:p>
             <a:r>
-              <a:rPr lang="en-US" b="1" dirty="0"/>
-              <a:t>Kotlin</a:t>
-            </a:r>
-            <a:r>
-              <a:rPr lang="ru-RU" b="1" dirty="0"/>
-              <a:t> развивается</a:t>
+              <a:rPr lang="ru-RU" dirty="0"/>
+              <a:t>Кто еще использует</a:t>
             </a:r>
           </a:p>
         </p:txBody>
       </p:sp>
       <p:sp>
         <p:nvSpPr>
-          <p:cNvPr id="3" name="Текст 2"/>
-          <p:cNvSpPr>
-            <a:spLocks noGrp="1"/>
-          </p:cNvSpPr>
-          <p:nvPr>
-            <p:ph type="body" sz="quarter" idx="11"/>
-          </p:nvPr>
-        </p:nvSpPr>
-        <p:spPr>
-          <a:xfrm>
-            <a:off x="492125" y="1518250"/>
-            <a:ext cx="11110800" cy="4538976"/>
-          </a:xfrm>
-        </p:spPr>
-        <p:txBody>
-          <a:bodyPr/>
-          <a:lstStyle/>
-          <a:p>
-            <a:r>
-              <a:rPr lang="ru-RU" sz="1800" dirty="0"/>
-              <a:t>В активной разработке</a:t>
-            </a:r>
-          </a:p>
-          <a:p>
-            <a:r>
-              <a:rPr lang="ru-RU" sz="1800" dirty="0"/>
-              <a:t>Статистика проектов с </a:t>
-            </a:r>
-            <a:r>
-              <a:rPr lang="en-US" sz="1800" dirty="0" err="1"/>
-              <a:t>Github</a:t>
-            </a:r>
-            <a:r>
-              <a:rPr lang="en-US" sz="1800" dirty="0"/>
-              <a:t> </a:t>
-            </a:r>
-            <a:r>
-              <a:rPr lang="ru-RU" sz="1800" dirty="0"/>
-              <a:t>на Котлин</a:t>
-            </a:r>
-          </a:p>
-          <a:p>
-            <a:r>
-              <a:rPr lang="ru-RU" sz="1800" dirty="0"/>
-              <a:t>Графики</a:t>
-            </a:r>
-          </a:p>
-          <a:p>
-            <a:r>
-              <a:rPr lang="en-US" sz="1800" dirty="0"/>
-              <a:t>Spring </a:t>
-            </a:r>
-            <a:r>
-              <a:rPr lang="ru-RU" sz="1800" dirty="0"/>
-              <a:t>и </a:t>
-            </a:r>
-            <a:r>
-              <a:rPr lang="en-US" sz="1800" dirty="0" err="1"/>
-              <a:t>Gradle</a:t>
-            </a:r>
-            <a:r>
-              <a:rPr lang="en-US" sz="1800" dirty="0"/>
-              <a:t> </a:t>
-            </a:r>
-            <a:r>
-              <a:rPr lang="ru-RU" sz="1800" dirty="0"/>
-              <a:t>в своих документациях дублируют все примеры кода на </a:t>
-            </a:r>
-            <a:r>
-              <a:rPr lang="en-US" sz="1800" dirty="0" err="1"/>
-              <a:t>Kotlin</a:t>
-            </a:r>
-            <a:endParaRPr lang="en-US" sz="1800" dirty="0"/>
-          </a:p>
-          <a:p>
-            <a:r>
-              <a:rPr lang="ru-RU" sz="1800" dirty="0"/>
-              <a:t>С декабря 2019 года </a:t>
-            </a:r>
-            <a:r>
-              <a:rPr lang="en-US" sz="1800" dirty="0" err="1"/>
-              <a:t>Kotlin</a:t>
-            </a:r>
-            <a:r>
-              <a:rPr lang="ru-RU" sz="1800" dirty="0"/>
-              <a:t> признан</a:t>
-            </a:r>
-            <a:r>
-              <a:rPr lang="en-US" sz="1800" dirty="0"/>
-              <a:t> Google </a:t>
-            </a:r>
-            <a:r>
-              <a:rPr lang="ru-RU" sz="1800" dirty="0"/>
-              <a:t>предпочтительным языком для разработки на </a:t>
-            </a:r>
-            <a:r>
-              <a:rPr lang="en-US" sz="1800" dirty="0"/>
-              <a:t>Android</a:t>
-            </a:r>
-          </a:p>
-          <a:p>
-            <a:r>
-              <a:rPr lang="ru-RU" sz="1800" dirty="0"/>
-              <a:t>Популярность языка растет</a:t>
-            </a:r>
-          </a:p>
-          <a:p>
-            <a:pPr lvl="1"/>
-            <a:r>
-              <a:rPr lang="ru-RU" sz="1800" dirty="0"/>
-              <a:t>По данным</a:t>
-            </a:r>
-            <a:r>
-              <a:rPr lang="en-US" sz="1800" dirty="0"/>
-              <a:t> </a:t>
-            </a:r>
-            <a:r>
-              <a:rPr lang="en-US" sz="1800" dirty="0" err="1"/>
-              <a:t>Jetbrains</a:t>
-            </a:r>
-            <a:r>
-              <a:rPr lang="en-US" sz="1800" dirty="0"/>
-              <a:t> </a:t>
-            </a:r>
-            <a:r>
-              <a:rPr lang="ru-RU" sz="1800" dirty="0"/>
-              <a:t>в 2018 году доля </a:t>
-            </a:r>
-            <a:r>
-              <a:rPr lang="en-US" sz="1800" dirty="0" err="1"/>
-              <a:t>Kotlin</a:t>
-            </a:r>
-            <a:r>
-              <a:rPr lang="en-US" sz="1800" dirty="0"/>
-              <a:t> </a:t>
-            </a:r>
-            <a:r>
-              <a:rPr lang="ru-RU" sz="1800" dirty="0"/>
-              <a:t>составляла </a:t>
-            </a:r>
-            <a:r>
-              <a:rPr lang="ru-RU" sz="1800" b="1" dirty="0"/>
-              <a:t>9%</a:t>
-            </a:r>
-            <a:r>
-              <a:rPr lang="ru-RU" sz="1800" dirty="0"/>
-              <a:t>, </a:t>
-            </a:r>
-            <a:r>
-              <a:rPr lang="en-US" sz="1800" dirty="0"/>
-              <a:t>Java – 51%; </a:t>
-            </a:r>
-            <a:r>
-              <a:rPr lang="ru-RU" sz="1800" dirty="0"/>
-              <a:t>в 2020 </a:t>
-            </a:r>
-            <a:r>
-              <a:rPr lang="en-US" sz="1800" dirty="0" err="1"/>
-              <a:t>Kotlin</a:t>
-            </a:r>
-            <a:r>
-              <a:rPr lang="en-US" sz="1800" dirty="0"/>
-              <a:t> - </a:t>
-            </a:r>
-            <a:r>
-              <a:rPr lang="ru-RU" sz="1800" b="1" dirty="0"/>
-              <a:t>16%</a:t>
-            </a:r>
-            <a:r>
-              <a:rPr lang="en-US" sz="1800" dirty="0"/>
-              <a:t>, Java – 54%</a:t>
-            </a:r>
-            <a:endParaRPr lang="ru-RU" sz="1550" dirty="0"/>
-          </a:p>
-          <a:p>
-            <a:pPr lvl="1"/>
-            <a:r>
-              <a:rPr lang="ru-RU" sz="1800" dirty="0"/>
-              <a:t>По данным </a:t>
-            </a:r>
-            <a:r>
-              <a:rPr lang="en-US" sz="1800" dirty="0" err="1"/>
-              <a:t>StackOverflow</a:t>
-            </a:r>
-            <a:r>
-              <a:rPr lang="en-US" sz="1800" dirty="0"/>
-              <a:t> </a:t>
-            </a:r>
-            <a:r>
-              <a:rPr lang="ru-RU" sz="1800" dirty="0"/>
-              <a:t>в 2018 году доля </a:t>
-            </a:r>
-            <a:r>
-              <a:rPr lang="en-US" sz="1800" dirty="0" err="1"/>
-              <a:t>Kotlin</a:t>
-            </a:r>
-            <a:r>
-              <a:rPr lang="en-US" sz="1800" dirty="0"/>
-              <a:t> </a:t>
-            </a:r>
-            <a:r>
-              <a:rPr lang="ru-RU" sz="1800" dirty="0"/>
-              <a:t>составляла </a:t>
-            </a:r>
-            <a:r>
-              <a:rPr lang="en-US" sz="1800" b="1" dirty="0"/>
-              <a:t>4.7</a:t>
-            </a:r>
-            <a:r>
-              <a:rPr lang="ru-RU" sz="1800" b="1" dirty="0"/>
-              <a:t>%</a:t>
-            </a:r>
-            <a:r>
-              <a:rPr lang="ru-RU" sz="1800" dirty="0"/>
-              <a:t>, </a:t>
-            </a:r>
-            <a:r>
-              <a:rPr lang="en-US" sz="1800" dirty="0"/>
-              <a:t>Java – 45.4%; </a:t>
-            </a:r>
-            <a:r>
-              <a:rPr lang="ru-RU" sz="1800" dirty="0"/>
-              <a:t>в 2020 </a:t>
-            </a:r>
-            <a:r>
-              <a:rPr lang="en-US" sz="1800" dirty="0" err="1"/>
-              <a:t>Kotlin</a:t>
-            </a:r>
-            <a:r>
-              <a:rPr lang="en-US" sz="1800" dirty="0"/>
-              <a:t> - </a:t>
-            </a:r>
-            <a:r>
-              <a:rPr lang="en-US" sz="1800" b="1" dirty="0"/>
-              <a:t>8</a:t>
-            </a:r>
-            <a:r>
-              <a:rPr lang="ru-RU" sz="1800" b="1" dirty="0"/>
-              <a:t>%</a:t>
-            </a:r>
-            <a:r>
-              <a:rPr lang="en-US" sz="1800" dirty="0"/>
-              <a:t>, Java – 38.4%</a:t>
-            </a:r>
-            <a:endParaRPr lang="ru-RU" sz="1800" dirty="0"/>
-          </a:p>
-        </p:txBody>
-      </p:sp>
-      <p:sp>
-        <p:nvSpPr>
-          <p:cNvPr id="4" name="Текст 3"/>
+          <p:cNvPr id="4" name="Text Placeholder 3">
+            <a:extLst>
+              <a:ext uri="{FF2B5EF4-FFF2-40B4-BE49-F238E27FC236}">
+                <a16:creationId xmlns:a16="http://schemas.microsoft.com/office/drawing/2014/main" id="{ACD068DB-FF0E-49F4-9BCC-6112EFCB5373}"/>
+              </a:ext>
+            </a:extLst>
+          </p:cNvPr>
           <p:cNvSpPr>
             <a:spLocks noGrp="1"/>
           </p:cNvSpPr>
@@ -50293,7 +51205,13 @@
       </p:sp>
       <p:sp>
         <p:nvSpPr>
-          <p:cNvPr id="5" name="Подзаголовок 4"/>
+          <p:cNvPr id="5" name="Subtitle 4">
+            <a:extLst>
+              <a:ext uri="{FF2B5EF4-FFF2-40B4-BE49-F238E27FC236}">
+                <a16:creationId xmlns:a16="http://schemas.microsoft.com/office/drawing/2014/main" id="{249D2D48-2D93-436D-92BC-8A48DA2900B5}"/>
+              </a:ext>
+            </a:extLst>
+          </p:cNvPr>
           <p:cNvSpPr>
             <a:spLocks noGrp="1"/>
           </p:cNvSpPr>
@@ -50312,7 +51230,13 @@
       </p:sp>
       <p:sp>
         <p:nvSpPr>
-          <p:cNvPr id="6" name="Текст 5"/>
+          <p:cNvPr id="6" name="Text Placeholder 5">
+            <a:extLst>
+              <a:ext uri="{FF2B5EF4-FFF2-40B4-BE49-F238E27FC236}">
+                <a16:creationId xmlns:a16="http://schemas.microsoft.com/office/drawing/2014/main" id="{7EAE3E9F-D2AE-4AA2-9789-4F16CDFF5F07}"/>
+              </a:ext>
+            </a:extLst>
+          </p:cNvPr>
           <p:cNvSpPr>
             <a:spLocks noGrp="1"/>
           </p:cNvSpPr>
@@ -50325,14 +51249,209 @@
           <a:bodyPr/>
           <a:lstStyle/>
           <a:p>
-            <a:endParaRPr lang="ru-RU" dirty="0"/>
+            <a:endParaRPr lang="ru-RU"/>
           </a:p>
         </p:txBody>
       </p:sp>
+      <p:pic>
+        <p:nvPicPr>
+          <p:cNvPr id="8" name="Graphic 7">
+            <a:extLst>
+              <a:ext uri="{FF2B5EF4-FFF2-40B4-BE49-F238E27FC236}">
+                <a16:creationId xmlns:a16="http://schemas.microsoft.com/office/drawing/2014/main" id="{61F1552D-6436-4868-87F1-8E410E93D379}"/>
+              </a:ext>
+            </a:extLst>
+          </p:cNvPr>
+          <p:cNvPicPr>
+            <a:picLocks noChangeAspect="1"/>
+          </p:cNvPicPr>
+          <p:nvPr/>
+        </p:nvPicPr>
+        <p:blipFill>
+          <a:blip r:embed="rId2">
+            <a:extLst>
+              <a:ext uri="{28A0092B-C50C-407E-A947-70E740481C1C}">
+                <a14:useLocalDpi xmlns:a14="http://schemas.microsoft.com/office/drawing/2010/main" val="0"/>
+              </a:ext>
+              <a:ext uri="{96DAC541-7B7A-43D3-8B79-37D633B846F1}">
+                <asvg:svgBlip xmlns:asvg="http://schemas.microsoft.com/office/drawing/2016/SVG/main" r:embed="rId3"/>
+              </a:ext>
+            </a:extLst>
+          </a:blip>
+          <a:stretch>
+            <a:fillRect/>
+          </a:stretch>
+        </p:blipFill>
+        <p:spPr>
+          <a:xfrm>
+            <a:off x="779278" y="3525872"/>
+            <a:ext cx="1800226" cy="2025255"/>
+          </a:xfrm>
+          <a:prstGeom prst="rect">
+            <a:avLst/>
+          </a:prstGeom>
+        </p:spPr>
+      </p:pic>
+      <p:pic>
+        <p:nvPicPr>
+          <p:cNvPr id="10" name="Graphic 9">
+            <a:extLst>
+              <a:ext uri="{FF2B5EF4-FFF2-40B4-BE49-F238E27FC236}">
+                <a16:creationId xmlns:a16="http://schemas.microsoft.com/office/drawing/2014/main" id="{0D8191FD-1F79-4694-B4CD-0092FBDE5A3E}"/>
+              </a:ext>
+            </a:extLst>
+          </p:cNvPr>
+          <p:cNvPicPr>
+            <a:picLocks noChangeAspect="1"/>
+          </p:cNvPicPr>
+          <p:nvPr/>
+        </p:nvPicPr>
+        <p:blipFill>
+          <a:blip r:embed="rId4">
+            <a:extLst>
+              <a:ext uri="{28A0092B-C50C-407E-A947-70E740481C1C}">
+                <a14:useLocalDpi xmlns:a14="http://schemas.microsoft.com/office/drawing/2010/main" val="0"/>
+              </a:ext>
+              <a:ext uri="{96DAC541-7B7A-43D3-8B79-37D633B846F1}">
+                <asvg:svgBlip xmlns:asvg="http://schemas.microsoft.com/office/drawing/2016/SVG/main" r:embed="rId5"/>
+              </a:ext>
+            </a:extLst>
+          </a:blip>
+          <a:stretch>
+            <a:fillRect/>
+          </a:stretch>
+        </p:blipFill>
+        <p:spPr>
+          <a:xfrm>
+            <a:off x="3524430" y="3723650"/>
+            <a:ext cx="2806701" cy="1629698"/>
+          </a:xfrm>
+          <a:prstGeom prst="rect">
+            <a:avLst/>
+          </a:prstGeom>
+        </p:spPr>
+      </p:pic>
+      <p:pic>
+        <p:nvPicPr>
+          <p:cNvPr id="12" name="Graphic 11">
+            <a:extLst>
+              <a:ext uri="{FF2B5EF4-FFF2-40B4-BE49-F238E27FC236}">
+                <a16:creationId xmlns:a16="http://schemas.microsoft.com/office/drawing/2014/main" id="{D01BD25F-3903-42FC-B325-C2C21A88351F}"/>
+              </a:ext>
+            </a:extLst>
+          </p:cNvPr>
+          <p:cNvPicPr>
+            <a:picLocks noChangeAspect="1"/>
+          </p:cNvPicPr>
+          <p:nvPr/>
+        </p:nvPicPr>
+        <p:blipFill>
+          <a:blip r:embed="rId6">
+            <a:extLst>
+              <a:ext uri="{28A0092B-C50C-407E-A947-70E740481C1C}">
+                <a14:useLocalDpi xmlns:a14="http://schemas.microsoft.com/office/drawing/2010/main" val="0"/>
+              </a:ext>
+              <a:ext uri="{96DAC541-7B7A-43D3-8B79-37D633B846F1}">
+                <asvg:svgBlip xmlns:asvg="http://schemas.microsoft.com/office/drawing/2016/SVG/main" r:embed="rId7"/>
+              </a:ext>
+            </a:extLst>
+          </a:blip>
+          <a:stretch>
+            <a:fillRect/>
+          </a:stretch>
+        </p:blipFill>
+        <p:spPr>
+          <a:xfrm>
+            <a:off x="779278" y="1799934"/>
+            <a:ext cx="4958129" cy="638175"/>
+          </a:xfrm>
+          <a:prstGeom prst="rect">
+            <a:avLst/>
+          </a:prstGeom>
+        </p:spPr>
+      </p:pic>
+      <p:pic>
+        <p:nvPicPr>
+          <p:cNvPr id="14" name="Graphic 13">
+            <a:extLst>
+              <a:ext uri="{FF2B5EF4-FFF2-40B4-BE49-F238E27FC236}">
+                <a16:creationId xmlns:a16="http://schemas.microsoft.com/office/drawing/2014/main" id="{ACC6475B-AE75-4854-9D45-D63EBCFFD210}"/>
+              </a:ext>
+            </a:extLst>
+          </p:cNvPr>
+          <p:cNvPicPr>
+            <a:picLocks noChangeAspect="1"/>
+          </p:cNvPicPr>
+          <p:nvPr/>
+        </p:nvPicPr>
+        <p:blipFill>
+          <a:blip r:embed="rId8">
+            <a:extLst>
+              <a:ext uri="{28A0092B-C50C-407E-A947-70E740481C1C}">
+                <a14:useLocalDpi xmlns:a14="http://schemas.microsoft.com/office/drawing/2010/main" val="0"/>
+              </a:ext>
+              <a:ext uri="{96DAC541-7B7A-43D3-8B79-37D633B846F1}">
+                <asvg:svgBlip xmlns:asvg="http://schemas.microsoft.com/office/drawing/2016/SVG/main" r:embed="rId9"/>
+              </a:ext>
+            </a:extLst>
+          </a:blip>
+          <a:stretch>
+            <a:fillRect/>
+          </a:stretch>
+        </p:blipFill>
+        <p:spPr>
+          <a:xfrm>
+            <a:off x="7243761" y="1799934"/>
+            <a:ext cx="3363454" cy="928561"/>
+          </a:xfrm>
+          <a:prstGeom prst="rect">
+            <a:avLst/>
+          </a:prstGeom>
+        </p:spPr>
+      </p:pic>
+      <p:pic>
+        <p:nvPicPr>
+          <p:cNvPr id="16" name="Graphic 15">
+            <a:extLst>
+              <a:ext uri="{FF2B5EF4-FFF2-40B4-BE49-F238E27FC236}">
+                <a16:creationId xmlns:a16="http://schemas.microsoft.com/office/drawing/2014/main" id="{338DFCCE-9731-4EA8-BD68-53F031E88818}"/>
+              </a:ext>
+            </a:extLst>
+          </p:cNvPr>
+          <p:cNvPicPr>
+            <a:picLocks noChangeAspect="1"/>
+          </p:cNvPicPr>
+          <p:nvPr/>
+        </p:nvPicPr>
+        <p:blipFill>
+          <a:blip r:embed="rId10">
+            <a:extLst>
+              <a:ext uri="{28A0092B-C50C-407E-A947-70E740481C1C}">
+                <a14:useLocalDpi xmlns:a14="http://schemas.microsoft.com/office/drawing/2010/main" val="0"/>
+              </a:ext>
+              <a:ext uri="{96DAC541-7B7A-43D3-8B79-37D633B846F1}">
+                <asvg:svgBlip xmlns:asvg="http://schemas.microsoft.com/office/drawing/2016/SVG/main" r:embed="rId11"/>
+              </a:ext>
+            </a:extLst>
+          </a:blip>
+          <a:stretch>
+            <a:fillRect/>
+          </a:stretch>
+        </p:blipFill>
+        <p:spPr>
+          <a:xfrm>
+            <a:off x="7243761" y="4424788"/>
+            <a:ext cx="3313271" cy="928560"/>
+          </a:xfrm>
+          <a:prstGeom prst="rect">
+            <a:avLst/>
+          </a:prstGeom>
+        </p:spPr>
+      </p:pic>
     </p:spTree>
     <p:extLst>
       <p:ext uri="{BB962C8B-B14F-4D97-AF65-F5344CB8AC3E}">
-        <p14:creationId xmlns:p14="http://schemas.microsoft.com/office/powerpoint/2010/main" val="732680791"/>
+        <p14:creationId xmlns:p14="http://schemas.microsoft.com/office/powerpoint/2010/main" val="4022075741"/>
       </p:ext>
     </p:extLst>
   </p:cSld>
@@ -50364,7 +51483,7 @@
           <p:cNvPr id="2" name="Title 1">
             <a:extLst>
               <a:ext uri="{FF2B5EF4-FFF2-40B4-BE49-F238E27FC236}">
-                <a16:creationId xmlns:a16="http://schemas.microsoft.com/office/drawing/2014/main" id="{FF4C19BD-357F-4935-B82C-BC4CFC1E74C5}"/>
+                <a16:creationId xmlns:a16="http://schemas.microsoft.com/office/drawing/2014/main" id="{99D9B39A-A40C-4144-AAF8-BC496E1EDAF6}"/>
               </a:ext>
             </a:extLst>
           </p:cNvPr>
@@ -50382,334 +51501,6 @@
           <a:p>
             <a:r>
               <a:rPr lang="ru-RU" dirty="0"/>
-              <a:t>Кто еще использует</a:t>
-            </a:r>
-          </a:p>
-        </p:txBody>
-      </p:sp>
-      <p:sp>
-        <p:nvSpPr>
-          <p:cNvPr id="4" name="Text Placeholder 3">
-            <a:extLst>
-              <a:ext uri="{FF2B5EF4-FFF2-40B4-BE49-F238E27FC236}">
-                <a16:creationId xmlns:a16="http://schemas.microsoft.com/office/drawing/2014/main" id="{ACD068DB-FF0E-49F4-9BCC-6112EFCB5373}"/>
-              </a:ext>
-            </a:extLst>
-          </p:cNvPr>
-          <p:cNvSpPr>
-            <a:spLocks noGrp="1"/>
-          </p:cNvSpPr>
-          <p:nvPr>
-            <p:ph type="body" sz="quarter" idx="14"/>
-          </p:nvPr>
-        </p:nvSpPr>
-        <p:spPr/>
-        <p:txBody>
-          <a:bodyPr/>
-          <a:lstStyle/>
-          <a:p>
-            <a:endParaRPr lang="ru-RU"/>
-          </a:p>
-        </p:txBody>
-      </p:sp>
-      <p:sp>
-        <p:nvSpPr>
-          <p:cNvPr id="5" name="Subtitle 4">
-            <a:extLst>
-              <a:ext uri="{FF2B5EF4-FFF2-40B4-BE49-F238E27FC236}">
-                <a16:creationId xmlns:a16="http://schemas.microsoft.com/office/drawing/2014/main" id="{249D2D48-2D93-436D-92BC-8A48DA2900B5}"/>
-              </a:ext>
-            </a:extLst>
-          </p:cNvPr>
-          <p:cNvSpPr>
-            <a:spLocks noGrp="1"/>
-          </p:cNvSpPr>
-          <p:nvPr>
-            <p:ph type="subTitle" idx="1"/>
-          </p:nvPr>
-        </p:nvSpPr>
-        <p:spPr/>
-        <p:txBody>
-          <a:bodyPr/>
-          <a:lstStyle/>
-          <a:p>
-            <a:endParaRPr lang="ru-RU"/>
-          </a:p>
-        </p:txBody>
-      </p:sp>
-      <p:sp>
-        <p:nvSpPr>
-          <p:cNvPr id="6" name="Text Placeholder 5">
-            <a:extLst>
-              <a:ext uri="{FF2B5EF4-FFF2-40B4-BE49-F238E27FC236}">
-                <a16:creationId xmlns:a16="http://schemas.microsoft.com/office/drawing/2014/main" id="{7EAE3E9F-D2AE-4AA2-9789-4F16CDFF5F07}"/>
-              </a:ext>
-            </a:extLst>
-          </p:cNvPr>
-          <p:cNvSpPr>
-            <a:spLocks noGrp="1"/>
-          </p:cNvSpPr>
-          <p:nvPr>
-            <p:ph type="body" sz="quarter" idx="15"/>
-          </p:nvPr>
-        </p:nvSpPr>
-        <p:spPr/>
-        <p:txBody>
-          <a:bodyPr/>
-          <a:lstStyle/>
-          <a:p>
-            <a:endParaRPr lang="ru-RU"/>
-          </a:p>
-        </p:txBody>
-      </p:sp>
-      <p:pic>
-        <p:nvPicPr>
-          <p:cNvPr id="8" name="Graphic 7">
-            <a:extLst>
-              <a:ext uri="{FF2B5EF4-FFF2-40B4-BE49-F238E27FC236}">
-                <a16:creationId xmlns:a16="http://schemas.microsoft.com/office/drawing/2014/main" id="{61F1552D-6436-4868-87F1-8E410E93D379}"/>
-              </a:ext>
-            </a:extLst>
-          </p:cNvPr>
-          <p:cNvPicPr>
-            <a:picLocks noChangeAspect="1"/>
-          </p:cNvPicPr>
-          <p:nvPr/>
-        </p:nvPicPr>
-        <p:blipFill>
-          <a:blip r:embed="rId2">
-            <a:extLst>
-              <a:ext uri="{28A0092B-C50C-407E-A947-70E740481C1C}">
-                <a14:useLocalDpi xmlns:a14="http://schemas.microsoft.com/office/drawing/2010/main" val="0"/>
-              </a:ext>
-              <a:ext uri="{96DAC541-7B7A-43D3-8B79-37D633B846F1}">
-                <asvg:svgBlip xmlns:asvg="http://schemas.microsoft.com/office/drawing/2016/SVG/main" r:embed="rId3"/>
-              </a:ext>
-            </a:extLst>
-          </a:blip>
-          <a:stretch>
-            <a:fillRect/>
-          </a:stretch>
-        </p:blipFill>
-        <p:spPr>
-          <a:xfrm>
-            <a:off x="779278" y="3525872"/>
-            <a:ext cx="1800226" cy="2025255"/>
-          </a:xfrm>
-          <a:prstGeom prst="rect">
-            <a:avLst/>
-          </a:prstGeom>
-        </p:spPr>
-      </p:pic>
-      <p:pic>
-        <p:nvPicPr>
-          <p:cNvPr id="10" name="Graphic 9">
-            <a:extLst>
-              <a:ext uri="{FF2B5EF4-FFF2-40B4-BE49-F238E27FC236}">
-                <a16:creationId xmlns:a16="http://schemas.microsoft.com/office/drawing/2014/main" id="{0D8191FD-1F79-4694-B4CD-0092FBDE5A3E}"/>
-              </a:ext>
-            </a:extLst>
-          </p:cNvPr>
-          <p:cNvPicPr>
-            <a:picLocks noChangeAspect="1"/>
-          </p:cNvPicPr>
-          <p:nvPr/>
-        </p:nvPicPr>
-        <p:blipFill>
-          <a:blip r:embed="rId4">
-            <a:extLst>
-              <a:ext uri="{28A0092B-C50C-407E-A947-70E740481C1C}">
-                <a14:useLocalDpi xmlns:a14="http://schemas.microsoft.com/office/drawing/2010/main" val="0"/>
-              </a:ext>
-              <a:ext uri="{96DAC541-7B7A-43D3-8B79-37D633B846F1}">
-                <asvg:svgBlip xmlns:asvg="http://schemas.microsoft.com/office/drawing/2016/SVG/main" r:embed="rId5"/>
-              </a:ext>
-            </a:extLst>
-          </a:blip>
-          <a:stretch>
-            <a:fillRect/>
-          </a:stretch>
-        </p:blipFill>
-        <p:spPr>
-          <a:xfrm>
-            <a:off x="3524430" y="3723650"/>
-            <a:ext cx="2806701" cy="1629698"/>
-          </a:xfrm>
-          <a:prstGeom prst="rect">
-            <a:avLst/>
-          </a:prstGeom>
-        </p:spPr>
-      </p:pic>
-      <p:pic>
-        <p:nvPicPr>
-          <p:cNvPr id="12" name="Graphic 11">
-            <a:extLst>
-              <a:ext uri="{FF2B5EF4-FFF2-40B4-BE49-F238E27FC236}">
-                <a16:creationId xmlns:a16="http://schemas.microsoft.com/office/drawing/2014/main" id="{D01BD25F-3903-42FC-B325-C2C21A88351F}"/>
-              </a:ext>
-            </a:extLst>
-          </p:cNvPr>
-          <p:cNvPicPr>
-            <a:picLocks noChangeAspect="1"/>
-          </p:cNvPicPr>
-          <p:nvPr/>
-        </p:nvPicPr>
-        <p:blipFill>
-          <a:blip r:embed="rId6">
-            <a:extLst>
-              <a:ext uri="{28A0092B-C50C-407E-A947-70E740481C1C}">
-                <a14:useLocalDpi xmlns:a14="http://schemas.microsoft.com/office/drawing/2010/main" val="0"/>
-              </a:ext>
-              <a:ext uri="{96DAC541-7B7A-43D3-8B79-37D633B846F1}">
-                <asvg:svgBlip xmlns:asvg="http://schemas.microsoft.com/office/drawing/2016/SVG/main" r:embed="rId7"/>
-              </a:ext>
-            </a:extLst>
-          </a:blip>
-          <a:stretch>
-            <a:fillRect/>
-          </a:stretch>
-        </p:blipFill>
-        <p:spPr>
-          <a:xfrm>
-            <a:off x="779278" y="1799934"/>
-            <a:ext cx="4958129" cy="638175"/>
-          </a:xfrm>
-          <a:prstGeom prst="rect">
-            <a:avLst/>
-          </a:prstGeom>
-        </p:spPr>
-      </p:pic>
-      <p:pic>
-        <p:nvPicPr>
-          <p:cNvPr id="14" name="Graphic 13">
-            <a:extLst>
-              <a:ext uri="{FF2B5EF4-FFF2-40B4-BE49-F238E27FC236}">
-                <a16:creationId xmlns:a16="http://schemas.microsoft.com/office/drawing/2014/main" id="{ACC6475B-AE75-4854-9D45-D63EBCFFD210}"/>
-              </a:ext>
-            </a:extLst>
-          </p:cNvPr>
-          <p:cNvPicPr>
-            <a:picLocks noChangeAspect="1"/>
-          </p:cNvPicPr>
-          <p:nvPr/>
-        </p:nvPicPr>
-        <p:blipFill>
-          <a:blip r:embed="rId8">
-            <a:extLst>
-              <a:ext uri="{28A0092B-C50C-407E-A947-70E740481C1C}">
-                <a14:useLocalDpi xmlns:a14="http://schemas.microsoft.com/office/drawing/2010/main" val="0"/>
-              </a:ext>
-              <a:ext uri="{96DAC541-7B7A-43D3-8B79-37D633B846F1}">
-                <asvg:svgBlip xmlns:asvg="http://schemas.microsoft.com/office/drawing/2016/SVG/main" r:embed="rId9"/>
-              </a:ext>
-            </a:extLst>
-          </a:blip>
-          <a:stretch>
-            <a:fillRect/>
-          </a:stretch>
-        </p:blipFill>
-        <p:spPr>
-          <a:xfrm>
-            <a:off x="7243761" y="1799934"/>
-            <a:ext cx="3363454" cy="928561"/>
-          </a:xfrm>
-          <a:prstGeom prst="rect">
-            <a:avLst/>
-          </a:prstGeom>
-        </p:spPr>
-      </p:pic>
-      <p:pic>
-        <p:nvPicPr>
-          <p:cNvPr id="16" name="Graphic 15">
-            <a:extLst>
-              <a:ext uri="{FF2B5EF4-FFF2-40B4-BE49-F238E27FC236}">
-                <a16:creationId xmlns:a16="http://schemas.microsoft.com/office/drawing/2014/main" id="{338DFCCE-9731-4EA8-BD68-53F031E88818}"/>
-              </a:ext>
-            </a:extLst>
-          </p:cNvPr>
-          <p:cNvPicPr>
-            <a:picLocks noChangeAspect="1"/>
-          </p:cNvPicPr>
-          <p:nvPr/>
-        </p:nvPicPr>
-        <p:blipFill>
-          <a:blip r:embed="rId10">
-            <a:extLst>
-              <a:ext uri="{28A0092B-C50C-407E-A947-70E740481C1C}">
-                <a14:useLocalDpi xmlns:a14="http://schemas.microsoft.com/office/drawing/2010/main" val="0"/>
-              </a:ext>
-              <a:ext uri="{96DAC541-7B7A-43D3-8B79-37D633B846F1}">
-                <asvg:svgBlip xmlns:asvg="http://schemas.microsoft.com/office/drawing/2016/SVG/main" r:embed="rId11"/>
-              </a:ext>
-            </a:extLst>
-          </a:blip>
-          <a:stretch>
-            <a:fillRect/>
-          </a:stretch>
-        </p:blipFill>
-        <p:spPr>
-          <a:xfrm>
-            <a:off x="7243761" y="4424788"/>
-            <a:ext cx="3313271" cy="928560"/>
-          </a:xfrm>
-          <a:prstGeom prst="rect">
-            <a:avLst/>
-          </a:prstGeom>
-        </p:spPr>
-      </p:pic>
-    </p:spTree>
-    <p:extLst>
-      <p:ext uri="{BB962C8B-B14F-4D97-AF65-F5344CB8AC3E}">
-        <p14:creationId xmlns:p14="http://schemas.microsoft.com/office/powerpoint/2010/main" val="4022075741"/>
-      </p:ext>
-    </p:extLst>
-  </p:cSld>
-  <p:clrMapOvr>
-    <a:masterClrMapping/>
-  </p:clrMapOvr>
-</p:sld>
-</file>
-
-<file path=ppt/slides/slide33.xml><?xml version="1.0" encoding="utf-8"?>
-<p:sld xmlns:a="http://schemas.openxmlformats.org/drawingml/2006/main" xmlns:r="http://schemas.openxmlformats.org/officeDocument/2006/relationships" xmlns:p="http://schemas.openxmlformats.org/presentationml/2006/main">
-  <p:cSld>
-    <p:spTree>
-      <p:nvGrpSpPr>
-        <p:cNvPr id="1" name=""/>
-        <p:cNvGrpSpPr/>
-        <p:nvPr/>
-      </p:nvGrpSpPr>
-      <p:grpSpPr>
-        <a:xfrm>
-          <a:off x="0" y="0"/>
-          <a:ext cx="0" cy="0"/>
-          <a:chOff x="0" y="0"/>
-          <a:chExt cx="0" cy="0"/>
-        </a:xfrm>
-      </p:grpSpPr>
-      <p:sp>
-        <p:nvSpPr>
-          <p:cNvPr id="2" name="Title 1">
-            <a:extLst>
-              <a:ext uri="{FF2B5EF4-FFF2-40B4-BE49-F238E27FC236}">
-                <a16:creationId xmlns:a16="http://schemas.microsoft.com/office/drawing/2014/main" id="{99D9B39A-A40C-4144-AAF8-BC496E1EDAF6}"/>
-              </a:ext>
-            </a:extLst>
-          </p:cNvPr>
-          <p:cNvSpPr>
-            <a:spLocks noGrp="1"/>
-          </p:cNvSpPr>
-          <p:nvPr>
-            <p:ph type="title"/>
-          </p:nvPr>
-        </p:nvSpPr>
-        <p:spPr/>
-        <p:txBody>
-          <a:bodyPr/>
-          <a:lstStyle/>
-          <a:p>
-            <a:r>
-              <a:rPr lang="ru-RU" dirty="0"/>
               <a:t>Полезные ссылки</a:t>
             </a:r>
           </a:p>
@@ -50737,88 +51528,107 @@
           <a:lstStyle/>
           <a:p>
             <a:r>
-              <a:rPr lang="ru-RU" dirty="0"/>
+              <a:rPr lang="ru-RU" sz="1600" dirty="0"/>
               <a:t>С чего начать </a:t>
             </a:r>
             <a:r>
-              <a:rPr lang="en-US" dirty="0">
+              <a:rPr lang="en-US" sz="1600" dirty="0">
                 <a:hlinkClick r:id="rId2"/>
               </a:rPr>
               <a:t>https://kotlinlang.org/docs/tutorials/getting-started.html</a:t>
             </a:r>
-            <a:endParaRPr lang="en-US" dirty="0"/>
-          </a:p>
-          <a:p>
-            <a:r>
-              <a:rPr lang="ru-RU" dirty="0"/>
+            <a:endParaRPr lang="en-US" sz="1600" dirty="0"/>
+          </a:p>
+          <a:p>
+            <a:r>
+              <a:rPr lang="ru-RU" sz="1600" dirty="0"/>
               <a:t>Официальная документация. </a:t>
             </a:r>
             <a:r>
-              <a:rPr lang="en-US" dirty="0">
+              <a:rPr lang="en-US" sz="1600" dirty="0">
                 <a:hlinkClick r:id="rId3"/>
               </a:rPr>
               <a:t>https://kotlinlang.org/docs/reference/</a:t>
             </a:r>
-            <a:endParaRPr lang="ru-RU" dirty="0"/>
-          </a:p>
-          <a:p>
-            <a:r>
-              <a:rPr lang="en-US" dirty="0"/>
+            <a:endParaRPr lang="ru-RU" sz="1600" dirty="0"/>
+          </a:p>
+          <a:p>
+            <a:r>
+              <a:rPr lang="en-US" sz="1600" dirty="0"/>
               <a:t>Kotlin </a:t>
             </a:r>
             <a:r>
-              <a:rPr lang="en-US" dirty="0" err="1"/>
+              <a:rPr lang="en-US" sz="1600" dirty="0" err="1"/>
               <a:t>Koans</a:t>
             </a:r>
             <a:r>
-              <a:rPr lang="en-US" dirty="0"/>
+              <a:rPr lang="en-US" sz="1600" dirty="0"/>
               <a:t> – </a:t>
             </a:r>
             <a:r>
-              <a:rPr lang="ru-RU" dirty="0"/>
+              <a:rPr lang="ru-RU" sz="1600" dirty="0"/>
               <a:t>практические вводные задачки. </a:t>
             </a:r>
             <a:r>
-              <a:rPr lang="en-US" dirty="0">
+              <a:rPr lang="en-US" sz="1600" dirty="0">
                 <a:hlinkClick r:id="rId4"/>
               </a:rPr>
               <a:t>https://play.kotlinlang.org/koans/overview</a:t>
             </a:r>
-            <a:endParaRPr lang="ru-RU" dirty="0"/>
-          </a:p>
-          <a:p>
-            <a:r>
-              <a:rPr lang="en-US" dirty="0" err="1"/>
+            <a:endParaRPr lang="ru-RU" sz="1600" dirty="0"/>
+          </a:p>
+          <a:p>
+            <a:r>
+              <a:rPr lang="en-US" sz="1600" dirty="0" err="1"/>
               <a:t>Intellij</a:t>
             </a:r>
             <a:r>
-              <a:rPr lang="en-US" dirty="0"/>
+              <a:rPr lang="en-US" sz="1600" dirty="0"/>
               <a:t> Idea plugin </a:t>
             </a:r>
             <a:r>
-              <a:rPr lang="ru-RU" dirty="0"/>
+              <a:rPr lang="ru-RU" sz="1600" dirty="0"/>
               <a:t>для обучения </a:t>
             </a:r>
             <a:r>
-              <a:rPr lang="en-US" dirty="0"/>
+              <a:rPr lang="en-US" sz="1600" dirty="0"/>
               <a:t>Kotlin. </a:t>
             </a:r>
             <a:r>
-              <a:rPr lang="en-US" dirty="0">
+              <a:rPr lang="en-US" sz="1600" dirty="0">
                 <a:hlinkClick r:id="rId5"/>
               </a:rPr>
               <a:t>https://plugins.jetbrains.com/plugin/10081-edutools</a:t>
             </a:r>
-            <a:endParaRPr lang="en-US" dirty="0"/>
-          </a:p>
-          <a:p>
-            <a:endParaRPr lang="ru-RU" dirty="0"/>
-          </a:p>
-          <a:p>
-            <a:endParaRPr lang="ru-RU" dirty="0"/>
-          </a:p>
-          <a:p>
-            <a:endParaRPr lang="ru-RU" dirty="0"/>
+            <a:endParaRPr lang="en-US" sz="1600" dirty="0"/>
+          </a:p>
+          <a:p>
+            <a:r>
+              <a:rPr lang="ru-RU" sz="1600" dirty="0"/>
+              <a:t>Небольшая, но толковая статья о </a:t>
+            </a:r>
+            <a:r>
+              <a:rPr lang="en-US" sz="1600" dirty="0"/>
+              <a:t>Kotlin DSL</a:t>
+            </a:r>
+            <a:r>
+              <a:rPr lang="ru-RU" sz="1600" dirty="0"/>
+              <a:t>.</a:t>
+            </a:r>
+            <a:r>
+              <a:rPr lang="en-US" sz="1600" dirty="0"/>
+              <a:t> </a:t>
+            </a:r>
+            <a:r>
+              <a:rPr lang="en-US" sz="1600" dirty="0">
+                <a:hlinkClick r:id="rId6"/>
+              </a:rPr>
+              <a:t>https://habr.com/ru/company/haulmont/blog/341402/</a:t>
+            </a:r>
+            <a:r>
+              <a:rPr lang="en-US" sz="1600" dirty="0"/>
+              <a:t> </a:t>
+            </a:r>
           </a:p>
           <a:p>
             <a:endParaRPr lang="ru-RU" dirty="0"/>
@@ -50913,7 +51723,7 @@
 </p:sld>
 </file>
 
-<file path=ppt/slides/slide34.xml><?xml version="1.0" encoding="utf-8"?>
+<file path=ppt/slides/slide33.xml><?xml version="1.0" encoding="utf-8"?>
 <p:sld xmlns:a="http://schemas.openxmlformats.org/drawingml/2006/main" xmlns:r="http://schemas.openxmlformats.org/officeDocument/2006/relationships" xmlns:p="http://schemas.openxmlformats.org/presentationml/2006/main">
   <p:cSld>
     <p:spTree>
@@ -51410,6 +52220,40 @@
           <a:p>
             <a:endParaRPr lang="ru-RU" dirty="0"/>
           </a:p>
+          <a:p>
+            <a:endParaRPr lang="ru-RU" dirty="0"/>
+          </a:p>
+          <a:p>
+            <a:endParaRPr lang="ru-RU" dirty="0"/>
+          </a:p>
+          <a:p>
+            <a:endParaRPr lang="ru-RU" dirty="0"/>
+          </a:p>
+          <a:p>
+            <a:endParaRPr lang="ru-RU" dirty="0"/>
+          </a:p>
+          <a:p>
+            <a:endParaRPr lang="ru-RU" dirty="0"/>
+          </a:p>
+          <a:p>
+            <a:endParaRPr lang="ru-RU" dirty="0"/>
+          </a:p>
+          <a:p>
+            <a:endParaRPr lang="ru-RU" dirty="0"/>
+          </a:p>
+          <a:p>
+            <a:endParaRPr lang="ru-RU" dirty="0"/>
+          </a:p>
+          <a:p>
+            <a:pPr marL="0" indent="0" algn="ctr">
+              <a:buNone/>
+            </a:pPr>
+            <a:r>
+              <a:rPr lang="ru-RU" sz="2000" b="1" dirty="0"/>
+              <a:t>Производительность</a:t>
+            </a:r>
+            <a:endParaRPr lang="ru-RU" b="1" dirty="0"/>
+          </a:p>
         </p:txBody>
       </p:sp>
       <p:sp>
@@ -51483,7 +52327,7 @@
           <a:bodyPr/>
           <a:lstStyle/>
           <a:p>
-            <a:endParaRPr lang="ru-RU"/>
+            <a:endParaRPr lang="ru-RU" dirty="0"/>
           </a:p>
         </p:txBody>
       </p:sp>
